--- a/Documentation/Tourist-Behaviour-Analysis.pptx
+++ b/Documentation/Tourist-Behaviour-Analysis.pptx
@@ -5,32 +5,25 @@
     <p:sldMasterId id="2147483816" r:id="rId1"/>
   </p:sldMasterIdLst>
   <p:notesMasterIdLst>
-    <p:notesMasterId r:id="rId25"/>
+    <p:notesMasterId r:id="rId18"/>
   </p:notesMasterIdLst>
   <p:sldIdLst>
     <p:sldId id="256" r:id="rId2"/>
     <p:sldId id="280" r:id="rId3"/>
     <p:sldId id="262" r:id="rId4"/>
     <p:sldId id="258" r:id="rId5"/>
-    <p:sldId id="263" r:id="rId6"/>
-    <p:sldId id="259" r:id="rId7"/>
-    <p:sldId id="260" r:id="rId8"/>
-    <p:sldId id="261" r:id="rId9"/>
-    <p:sldId id="264" r:id="rId10"/>
-    <p:sldId id="266" r:id="rId11"/>
-    <p:sldId id="267" r:id="rId12"/>
-    <p:sldId id="268" r:id="rId13"/>
-    <p:sldId id="269" r:id="rId14"/>
-    <p:sldId id="270" r:id="rId15"/>
-    <p:sldId id="271" r:id="rId16"/>
-    <p:sldId id="272" r:id="rId17"/>
-    <p:sldId id="273" r:id="rId18"/>
-    <p:sldId id="274" r:id="rId19"/>
-    <p:sldId id="275" r:id="rId20"/>
-    <p:sldId id="276" r:id="rId21"/>
-    <p:sldId id="277" r:id="rId22"/>
-    <p:sldId id="278" r:id="rId23"/>
-    <p:sldId id="279" r:id="rId24"/>
+    <p:sldId id="259" r:id="rId6"/>
+    <p:sldId id="260" r:id="rId7"/>
+    <p:sldId id="271" r:id="rId8"/>
+    <p:sldId id="272" r:id="rId9"/>
+    <p:sldId id="273" r:id="rId10"/>
+    <p:sldId id="274" r:id="rId11"/>
+    <p:sldId id="275" r:id="rId12"/>
+    <p:sldId id="276" r:id="rId13"/>
+    <p:sldId id="277" r:id="rId14"/>
+    <p:sldId id="278" r:id="rId15"/>
+    <p:sldId id="281" r:id="rId16"/>
+    <p:sldId id="279" r:id="rId17"/>
   </p:sldIdLst>
   <p:sldSz cx="12192000" cy="6858000"/>
   <p:notesSz cx="6858000" cy="9144000"/>
@@ -231,7 +224,7 @@
           <a:p>
             <a:fld id="{272EBC90-7F51-40EB-8D9C-B0E1846197DF}" type="datetimeFigureOut">
               <a:rPr lang="en-IN" smtClean="0"/>
-              <a:t>14-07-2023</a:t>
+              <a:t>18-07-2023</a:t>
             </a:fld>
             <a:endParaRPr lang="en-IN"/>
           </a:p>
@@ -1221,7 +1214,7 @@
           <a:p>
             <a:fld id="{533B37BC-77A6-479B-A5D6-ADC6AEB8B864}" type="datetimeFigureOut">
               <a:rPr lang="en-IN" smtClean="0"/>
-              <a:t>14-07-2023</a:t>
+              <a:t>18-07-2023</a:t>
             </a:fld>
             <a:endParaRPr lang="en-IN"/>
           </a:p>
@@ -1472,7 +1465,7 @@
           <a:p>
             <a:fld id="{533B37BC-77A6-479B-A5D6-ADC6AEB8B864}" type="datetimeFigureOut">
               <a:rPr lang="en-IN" smtClean="0"/>
-              <a:t>14-07-2023</a:t>
+              <a:t>18-07-2023</a:t>
             </a:fld>
             <a:endParaRPr lang="en-IN"/>
           </a:p>
@@ -1786,7 +1779,7 @@
           <a:p>
             <a:fld id="{533B37BC-77A6-479B-A5D6-ADC6AEB8B864}" type="datetimeFigureOut">
               <a:rPr lang="en-IN" smtClean="0"/>
-              <a:t>14-07-2023</a:t>
+              <a:t>18-07-2023</a:t>
             </a:fld>
             <a:endParaRPr lang="en-IN"/>
           </a:p>
@@ -2127,7 +2120,7 @@
           <a:p>
             <a:fld id="{533B37BC-77A6-479B-A5D6-ADC6AEB8B864}" type="datetimeFigureOut">
               <a:rPr lang="en-IN" smtClean="0"/>
-              <a:t>14-07-2023</a:t>
+              <a:t>18-07-2023</a:t>
             </a:fld>
             <a:endParaRPr lang="en-IN"/>
           </a:p>
@@ -2441,7 +2434,7 @@
           <a:p>
             <a:fld id="{533B37BC-77A6-479B-A5D6-ADC6AEB8B864}" type="datetimeFigureOut">
               <a:rPr lang="en-IN" smtClean="0"/>
-              <a:t>14-07-2023</a:t>
+              <a:t>18-07-2023</a:t>
             </a:fld>
             <a:endParaRPr lang="en-IN"/>
           </a:p>
@@ -2834,7 +2827,7 @@
           <a:p>
             <a:fld id="{533B37BC-77A6-479B-A5D6-ADC6AEB8B864}" type="datetimeFigureOut">
               <a:rPr lang="en-IN" smtClean="0"/>
-              <a:t>14-07-2023</a:t>
+              <a:t>18-07-2023</a:t>
             </a:fld>
             <a:endParaRPr lang="en-IN"/>
           </a:p>
@@ -3004,7 +2997,7 @@
           <a:p>
             <a:fld id="{533B37BC-77A6-479B-A5D6-ADC6AEB8B864}" type="datetimeFigureOut">
               <a:rPr lang="en-IN" smtClean="0"/>
-              <a:t>14-07-2023</a:t>
+              <a:t>18-07-2023</a:t>
             </a:fld>
             <a:endParaRPr lang="en-IN"/>
           </a:p>
@@ -3184,7 +3177,7 @@
           <a:p>
             <a:fld id="{533B37BC-77A6-479B-A5D6-ADC6AEB8B864}" type="datetimeFigureOut">
               <a:rPr lang="en-IN" smtClean="0"/>
-              <a:t>14-07-2023</a:t>
+              <a:t>18-07-2023</a:t>
             </a:fld>
             <a:endParaRPr lang="en-IN"/>
           </a:p>
@@ -3360,7 +3353,7 @@
           <a:p>
             <a:fld id="{533B37BC-77A6-479B-A5D6-ADC6AEB8B864}" type="datetimeFigureOut">
               <a:rPr lang="en-IN" smtClean="0"/>
-              <a:t>14-07-2023</a:t>
+              <a:t>18-07-2023</a:t>
             </a:fld>
             <a:endParaRPr lang="en-IN"/>
           </a:p>
@@ -3607,7 +3600,7 @@
           <a:p>
             <a:fld id="{533B37BC-77A6-479B-A5D6-ADC6AEB8B864}" type="datetimeFigureOut">
               <a:rPr lang="en-IN" smtClean="0"/>
-              <a:t>14-07-2023</a:t>
+              <a:t>18-07-2023</a:t>
             </a:fld>
             <a:endParaRPr lang="en-IN"/>
           </a:p>
@@ -3839,7 +3832,7 @@
           <a:p>
             <a:fld id="{533B37BC-77A6-479B-A5D6-ADC6AEB8B864}" type="datetimeFigureOut">
               <a:rPr lang="en-IN" smtClean="0"/>
-              <a:t>14-07-2023</a:t>
+              <a:t>18-07-2023</a:t>
             </a:fld>
             <a:endParaRPr lang="en-IN"/>
           </a:p>
@@ -4213,7 +4206,7 @@
           <a:p>
             <a:fld id="{533B37BC-77A6-479B-A5D6-ADC6AEB8B864}" type="datetimeFigureOut">
               <a:rPr lang="en-IN" smtClean="0"/>
-              <a:t>14-07-2023</a:t>
+              <a:t>18-07-2023</a:t>
             </a:fld>
             <a:endParaRPr lang="en-IN"/>
           </a:p>
@@ -4336,7 +4329,7 @@
           <a:p>
             <a:fld id="{533B37BC-77A6-479B-A5D6-ADC6AEB8B864}" type="datetimeFigureOut">
               <a:rPr lang="en-IN" smtClean="0"/>
-              <a:t>14-07-2023</a:t>
+              <a:t>18-07-2023</a:t>
             </a:fld>
             <a:endParaRPr lang="en-IN"/>
           </a:p>
@@ -4431,7 +4424,7 @@
           <a:p>
             <a:fld id="{533B37BC-77A6-479B-A5D6-ADC6AEB8B864}" type="datetimeFigureOut">
               <a:rPr lang="en-IN" smtClean="0"/>
-              <a:t>14-07-2023</a:t>
+              <a:t>18-07-2023</a:t>
             </a:fld>
             <a:endParaRPr lang="en-IN"/>
           </a:p>
@@ -4686,7 +4679,7 @@
           <a:p>
             <a:fld id="{533B37BC-77A6-479B-A5D6-ADC6AEB8B864}" type="datetimeFigureOut">
               <a:rPr lang="en-IN" smtClean="0"/>
-              <a:t>14-07-2023</a:t>
+              <a:t>18-07-2023</a:t>
             </a:fld>
             <a:endParaRPr lang="en-IN"/>
           </a:p>
@@ -4949,7 +4942,7 @@
           <a:p>
             <a:fld id="{533B37BC-77A6-479B-A5D6-ADC6AEB8B864}" type="datetimeFigureOut">
               <a:rPr lang="en-IN" smtClean="0"/>
-              <a:t>14-07-2023</a:t>
+              <a:t>18-07-2023</a:t>
             </a:fld>
             <a:endParaRPr lang="en-IN"/>
           </a:p>
@@ -5692,7 +5685,7 @@
           <a:p>
             <a:fld id="{533B37BC-77A6-479B-A5D6-ADC6AEB8B864}" type="datetimeFigureOut">
               <a:rPr lang="en-IN" smtClean="0"/>
-              <a:t>14-07-2023</a:t>
+              <a:t>18-07-2023</a:t>
             </a:fld>
             <a:endParaRPr lang="en-IN"/>
           </a:p>
@@ -6377,1735 +6370,6 @@
       </p:grpSpPr>
       <p:sp>
         <p:nvSpPr>
-          <p:cNvPr id="3" name="Content Placeholder 2">
-            <a:extLst>
-              <a:ext uri="{FF2B5EF4-FFF2-40B4-BE49-F238E27FC236}">
-                <a16:creationId xmlns:a16="http://schemas.microsoft.com/office/drawing/2014/main" id="{FFEC623E-2D0E-9FC7-59F0-8C1E00C4D784}"/>
-              </a:ext>
-            </a:extLst>
-          </p:cNvPr>
-          <p:cNvSpPr>
-            <a:spLocks noGrp="1"/>
-          </p:cNvSpPr>
-          <p:nvPr>
-            <p:ph idx="1"/>
-          </p:nvPr>
-        </p:nvSpPr>
-        <p:spPr>
-          <a:xfrm>
-            <a:off x="677333" y="4149038"/>
-            <a:ext cx="8596668" cy="3016529"/>
-          </a:xfrm>
-        </p:spPr>
-        <p:txBody>
-          <a:bodyPr/>
-          <a:lstStyle/>
-          <a:p>
-            <a:r>
-              <a:rPr lang="en-US" dirty="0">
-                <a:latin typeface="Times New Roman" panose="02020603050405020304" pitchFamily="18" charset="0"/>
-                <a:cs typeface="Times New Roman" panose="02020603050405020304" pitchFamily="18" charset="0"/>
-              </a:rPr>
-              <a:t>The figure above shows the script to generate the data for a particular region.</a:t>
-            </a:r>
-          </a:p>
-          <a:p>
-            <a:endParaRPr lang="en-US" dirty="0">
-              <a:latin typeface="Times New Roman" panose="02020603050405020304" pitchFamily="18" charset="0"/>
-              <a:cs typeface="Times New Roman" panose="02020603050405020304" pitchFamily="18" charset="0"/>
-            </a:endParaRPr>
-          </a:p>
-          <a:p>
-            <a:r>
-              <a:rPr lang="en-US" dirty="0">
-                <a:latin typeface="Times New Roman" panose="02020603050405020304" pitchFamily="18" charset="0"/>
-                <a:cs typeface="Times New Roman" panose="02020603050405020304" pitchFamily="18" charset="0"/>
-              </a:rPr>
-              <a:t>The data obtained is stored in a separate folder which will be used for the further processing</a:t>
-            </a:r>
-            <a:endParaRPr lang="en-IN" dirty="0">
-              <a:latin typeface="Times New Roman" panose="02020603050405020304" pitchFamily="18" charset="0"/>
-              <a:cs typeface="Times New Roman" panose="02020603050405020304" pitchFamily="18" charset="0"/>
-            </a:endParaRPr>
-          </a:p>
-          <a:p>
-            <a:pPr marL="0" indent="0">
-              <a:buNone/>
-            </a:pPr>
-            <a:endParaRPr lang="en-US" dirty="0">
-              <a:latin typeface="Times New Roman" panose="02020603050405020304" pitchFamily="18" charset="0"/>
-              <a:cs typeface="Times New Roman" panose="02020603050405020304" pitchFamily="18" charset="0"/>
-            </a:endParaRPr>
-          </a:p>
-          <a:p>
-            <a:endParaRPr lang="en-US" dirty="0"/>
-          </a:p>
-        </p:txBody>
-      </p:sp>
-      <p:pic>
-        <p:nvPicPr>
-          <p:cNvPr id="6" name="Content Placeholder 4">
-            <a:extLst>
-              <a:ext uri="{FF2B5EF4-FFF2-40B4-BE49-F238E27FC236}">
-                <a16:creationId xmlns:a16="http://schemas.microsoft.com/office/drawing/2014/main" id="{77A41966-1E50-FEDB-69BF-FA746214A1BA}"/>
-              </a:ext>
-            </a:extLst>
-          </p:cNvPr>
-          <p:cNvPicPr>
-            <a:picLocks noGrp="1" noChangeAspect="1"/>
-          </p:cNvPicPr>
-          <p:nvPr>
-            <p:ph idx="1"/>
-          </p:nvPr>
-        </p:nvPicPr>
-        <p:blipFill>
-          <a:blip r:embed="rId2"/>
-          <a:stretch>
-            <a:fillRect/>
-          </a:stretch>
-        </p:blipFill>
-        <p:spPr>
-          <a:xfrm>
-            <a:off x="677333" y="132539"/>
-            <a:ext cx="7619502" cy="3493927"/>
-          </a:xfrm>
-          <a:prstGeom prst="rect">
-            <a:avLst/>
-          </a:prstGeom>
-        </p:spPr>
-      </p:pic>
-    </p:spTree>
-    <p:extLst>
-      <p:ext uri="{BB962C8B-B14F-4D97-AF65-F5344CB8AC3E}">
-        <p14:creationId xmlns:p14="http://schemas.microsoft.com/office/powerpoint/2010/main" val="2957040080"/>
-      </p:ext>
-    </p:extLst>
-  </p:cSld>
-  <p:clrMapOvr>
-    <a:masterClrMapping/>
-  </p:clrMapOvr>
-</p:sld>
-</file>
-
-<file path=ppt/slides/slide11.xml><?xml version="1.0" encoding="utf-8"?>
-<p:sld xmlns:a="http://schemas.openxmlformats.org/drawingml/2006/main" xmlns:r="http://schemas.openxmlformats.org/officeDocument/2006/relationships" xmlns:p="http://schemas.openxmlformats.org/presentationml/2006/main">
-  <p:cSld>
-    <p:spTree>
-      <p:nvGrpSpPr>
-        <p:cNvPr id="1" name=""/>
-        <p:cNvGrpSpPr/>
-        <p:nvPr/>
-      </p:nvGrpSpPr>
-      <p:grpSpPr>
-        <a:xfrm>
-          <a:off x="0" y="0"/>
-          <a:ext cx="0" cy="0"/>
-          <a:chOff x="0" y="0"/>
-          <a:chExt cx="0" cy="0"/>
-        </a:xfrm>
-      </p:grpSpPr>
-      <p:sp>
-        <p:nvSpPr>
-          <p:cNvPr id="2" name="Title 1">
-            <a:extLst>
-              <a:ext uri="{FF2B5EF4-FFF2-40B4-BE49-F238E27FC236}">
-                <a16:creationId xmlns:a16="http://schemas.microsoft.com/office/drawing/2014/main" id="{03C2CBB6-AB4E-A223-A13D-169E586EF7B5}"/>
-              </a:ext>
-            </a:extLst>
-          </p:cNvPr>
-          <p:cNvSpPr>
-            <a:spLocks noGrp="1"/>
-          </p:cNvSpPr>
-          <p:nvPr>
-            <p:ph type="title"/>
-          </p:nvPr>
-        </p:nvSpPr>
-        <p:spPr>
-          <a:xfrm>
-            <a:off x="341158" y="259977"/>
-            <a:ext cx="8596668" cy="775447"/>
-          </a:xfrm>
-        </p:spPr>
-        <p:txBody>
-          <a:bodyPr>
-            <a:normAutofit fontScale="90000"/>
-          </a:bodyPr>
-          <a:lstStyle/>
-          <a:p>
-            <a:r>
-              <a:rPr lang="en-IN" sz="3600" dirty="0">
-                <a:latin typeface="Times New Roman" panose="02020603050405020304" pitchFamily="18" charset="0"/>
-                <a:cs typeface="Times New Roman" panose="02020603050405020304" pitchFamily="18" charset="0"/>
-              </a:rPr>
-              <a:t>Textual metadata processing</a:t>
-            </a:r>
-            <a:br>
-              <a:rPr lang="en-IN" sz="3600" dirty="0">
-                <a:latin typeface="Times New Roman" panose="02020603050405020304" pitchFamily="18" charset="0"/>
-                <a:cs typeface="Times New Roman" panose="02020603050405020304" pitchFamily="18" charset="0"/>
-              </a:rPr>
-            </a:br>
-            <a:endParaRPr lang="en-IN" dirty="0"/>
-          </a:p>
-        </p:txBody>
-      </p:sp>
-      <p:sp>
-        <p:nvSpPr>
-          <p:cNvPr id="3" name="Content Placeholder 2">
-            <a:extLst>
-              <a:ext uri="{FF2B5EF4-FFF2-40B4-BE49-F238E27FC236}">
-                <a16:creationId xmlns:a16="http://schemas.microsoft.com/office/drawing/2014/main" id="{D07D2124-C135-CC8A-10C0-4C88893371EB}"/>
-              </a:ext>
-            </a:extLst>
-          </p:cNvPr>
-          <p:cNvSpPr>
-            <a:spLocks noGrp="1"/>
-          </p:cNvSpPr>
-          <p:nvPr>
-            <p:ph idx="1"/>
-          </p:nvPr>
-        </p:nvSpPr>
-        <p:spPr>
-          <a:xfrm>
-            <a:off x="99111" y="1210236"/>
-            <a:ext cx="12092889" cy="5930153"/>
-          </a:xfrm>
-        </p:spPr>
-        <p:txBody>
-          <a:bodyPr>
-            <a:normAutofit/>
-          </a:bodyPr>
-          <a:lstStyle/>
-          <a:p>
-            <a:r>
-              <a:rPr lang="en-IN" sz="2000" kern="100" dirty="0">
-                <a:latin typeface="Times New Roman" panose="02020603050405020304" pitchFamily="18" charset="0"/>
-                <a:ea typeface="Calibri" panose="020F0502020204030204" pitchFamily="34" charset="0"/>
-                <a:cs typeface="Times New Roman" panose="02020603050405020304" pitchFamily="18" charset="0"/>
-              </a:rPr>
-              <a:t>T</a:t>
-            </a:r>
-            <a:r>
-              <a:rPr lang="en-IN" sz="2000" kern="100" dirty="0">
-                <a:effectLst/>
-                <a:latin typeface="Times New Roman" panose="02020603050405020304" pitchFamily="18" charset="0"/>
-                <a:ea typeface="Calibri" panose="020F0502020204030204" pitchFamily="34" charset="0"/>
-                <a:cs typeface="Times New Roman" panose="02020603050405020304" pitchFamily="18" charset="0"/>
-              </a:rPr>
-              <a:t>he refined dataset is used as </a:t>
-            </a:r>
-            <a:r>
-              <a:rPr lang="en-IN" sz="2000" kern="100" dirty="0">
-                <a:latin typeface="Times New Roman" panose="02020603050405020304" pitchFamily="18" charset="0"/>
-                <a:ea typeface="Calibri" panose="020F0502020204030204" pitchFamily="34" charset="0"/>
-                <a:cs typeface="Times New Roman" panose="02020603050405020304" pitchFamily="18" charset="0"/>
-              </a:rPr>
-              <a:t>an input to </a:t>
-            </a:r>
-            <a:r>
-              <a:rPr lang="en-US" sz="2000" b="0" i="0" dirty="0">
-                <a:solidFill>
-                  <a:srgbClr val="374151"/>
-                </a:solidFill>
-                <a:effectLst/>
-                <a:latin typeface="Times New Roman" panose="02020603050405020304" pitchFamily="18" charset="0"/>
-                <a:cs typeface="Times New Roman" panose="02020603050405020304" pitchFamily="18" charset="0"/>
-              </a:rPr>
-              <a:t>Textual metadata processing which is a crucial step in analyzing and extracting meaningful information from text data.</a:t>
-            </a:r>
-          </a:p>
-          <a:p>
-            <a:r>
-              <a:rPr lang="en-US" sz="2000" b="1" i="0" dirty="0">
-                <a:solidFill>
-                  <a:srgbClr val="374151"/>
-                </a:solidFill>
-                <a:effectLst/>
-                <a:latin typeface="Times New Roman" panose="02020603050405020304" pitchFamily="18" charset="0"/>
-                <a:cs typeface="Times New Roman" panose="02020603050405020304" pitchFamily="18" charset="0"/>
-              </a:rPr>
-              <a:t>Tokenization</a:t>
-            </a:r>
-          </a:p>
-          <a:p>
-            <a:pPr algn="l">
-              <a:buFont typeface="Arial" panose="020B0604020202020204" pitchFamily="34" charset="0"/>
-              <a:buChar char="•"/>
-            </a:pPr>
-            <a:r>
-              <a:rPr lang="en-US" sz="2000" b="0" i="0" dirty="0">
-                <a:solidFill>
-                  <a:srgbClr val="374151"/>
-                </a:solidFill>
-                <a:effectLst/>
-                <a:latin typeface="Times New Roman" panose="02020603050405020304" pitchFamily="18" charset="0"/>
-                <a:cs typeface="Times New Roman" panose="02020603050405020304" pitchFamily="18" charset="0"/>
-              </a:rPr>
-              <a:t>Tokenization involves breaking down the text into individual words or tokens.</a:t>
-            </a:r>
-          </a:p>
-          <a:p>
-            <a:pPr marL="0" indent="0" algn="l">
-              <a:buNone/>
-            </a:pPr>
-            <a:endParaRPr lang="en-US" sz="2000" b="0" i="0" dirty="0">
-              <a:solidFill>
-                <a:srgbClr val="374151"/>
-              </a:solidFill>
-              <a:effectLst/>
-              <a:latin typeface="Times New Roman" panose="02020603050405020304" pitchFamily="18" charset="0"/>
-              <a:cs typeface="Times New Roman" panose="02020603050405020304" pitchFamily="18" charset="0"/>
-            </a:endParaRPr>
-          </a:p>
-          <a:p>
-            <a:r>
-              <a:rPr lang="en-US" sz="2000" b="1" i="0" dirty="0">
-                <a:solidFill>
-                  <a:srgbClr val="374151"/>
-                </a:solidFill>
-                <a:effectLst/>
-                <a:latin typeface="Times New Roman" panose="02020603050405020304" pitchFamily="18" charset="0"/>
-                <a:cs typeface="Times New Roman" panose="02020603050405020304" pitchFamily="18" charset="0"/>
-              </a:rPr>
-              <a:t>Stop Word Removal</a:t>
-            </a:r>
-          </a:p>
-          <a:p>
-            <a:pPr algn="l">
-              <a:buFont typeface="Arial" panose="020B0604020202020204" pitchFamily="34" charset="0"/>
-              <a:buChar char="•"/>
-            </a:pPr>
-            <a:r>
-              <a:rPr lang="en-US" sz="2000" b="0" i="0" dirty="0">
-                <a:solidFill>
-                  <a:srgbClr val="374151"/>
-                </a:solidFill>
-                <a:effectLst/>
-                <a:latin typeface="Times New Roman" panose="02020603050405020304" pitchFamily="18" charset="0"/>
-                <a:cs typeface="Times New Roman" panose="02020603050405020304" pitchFamily="18" charset="0"/>
-              </a:rPr>
-              <a:t>Stop words are commonly used words that do not carry significant meaning and can be removed from the text.</a:t>
-            </a:r>
-          </a:p>
-          <a:p>
-            <a:pPr algn="l">
-              <a:buFont typeface="Arial" panose="020B0604020202020204" pitchFamily="34" charset="0"/>
-              <a:buChar char="•"/>
-            </a:pPr>
-            <a:r>
-              <a:rPr lang="en-US" sz="2000" b="0" i="0" dirty="0">
-                <a:solidFill>
-                  <a:srgbClr val="374151"/>
-                </a:solidFill>
-                <a:effectLst/>
-                <a:latin typeface="Times New Roman" panose="02020603050405020304" pitchFamily="18" charset="0"/>
-                <a:cs typeface="Times New Roman" panose="02020603050405020304" pitchFamily="18" charset="0"/>
-              </a:rPr>
-              <a:t>Removing stop words helps reduce noise and focus on more meaningful terms.</a:t>
-            </a:r>
-          </a:p>
-          <a:p>
-            <a:pPr marL="0" indent="0" algn="l">
-              <a:buNone/>
-            </a:pPr>
-            <a:endParaRPr lang="en-US" sz="2000" b="0" i="0" dirty="0">
-              <a:solidFill>
-                <a:srgbClr val="374151"/>
-              </a:solidFill>
-              <a:effectLst/>
-              <a:latin typeface="Times New Roman" panose="02020603050405020304" pitchFamily="18" charset="0"/>
-              <a:cs typeface="Times New Roman" panose="02020603050405020304" pitchFamily="18" charset="0"/>
-            </a:endParaRPr>
-          </a:p>
-          <a:p>
-            <a:r>
-              <a:rPr lang="en-US" sz="2000" b="1" i="0" dirty="0">
-                <a:solidFill>
-                  <a:srgbClr val="374151"/>
-                </a:solidFill>
-                <a:effectLst/>
-                <a:latin typeface="Times New Roman" panose="02020603050405020304" pitchFamily="18" charset="0"/>
-                <a:cs typeface="Times New Roman" panose="02020603050405020304" pitchFamily="18" charset="0"/>
-              </a:rPr>
-              <a:t>Lemmatization and Stemming</a:t>
-            </a:r>
-          </a:p>
-          <a:p>
-            <a:pPr algn="l">
-              <a:buFont typeface="Arial" panose="020B0604020202020204" pitchFamily="34" charset="0"/>
-              <a:buChar char="•"/>
-            </a:pPr>
-            <a:r>
-              <a:rPr lang="en-US" sz="2000" b="0" i="0" dirty="0">
-                <a:solidFill>
-                  <a:srgbClr val="374151"/>
-                </a:solidFill>
-                <a:effectLst/>
-                <a:latin typeface="Times New Roman" panose="02020603050405020304" pitchFamily="18" charset="0"/>
-                <a:cs typeface="Times New Roman" panose="02020603050405020304" pitchFamily="18" charset="0"/>
-              </a:rPr>
-              <a:t>Lemmatization and stemming are techniques used to reduce words to their base or root form.</a:t>
-            </a:r>
-          </a:p>
-          <a:p>
-            <a:pPr algn="l">
-              <a:buFont typeface="Arial" panose="020B0604020202020204" pitchFamily="34" charset="0"/>
-              <a:buChar char="•"/>
-            </a:pPr>
-            <a:r>
-              <a:rPr lang="en-US" sz="2000" b="0" i="0" dirty="0">
-                <a:solidFill>
-                  <a:srgbClr val="374151"/>
-                </a:solidFill>
-                <a:effectLst/>
-                <a:latin typeface="Times New Roman" panose="02020603050405020304" pitchFamily="18" charset="0"/>
-                <a:cs typeface="Times New Roman" panose="02020603050405020304" pitchFamily="18" charset="0"/>
-              </a:rPr>
-              <a:t>Lemmatization considers the word's context and transforms it to a meaningful base form.</a:t>
-            </a:r>
-          </a:p>
-        </p:txBody>
-      </p:sp>
-    </p:spTree>
-    <p:extLst>
-      <p:ext uri="{BB962C8B-B14F-4D97-AF65-F5344CB8AC3E}">
-        <p14:creationId xmlns:p14="http://schemas.microsoft.com/office/powerpoint/2010/main" val="3678702805"/>
-      </p:ext>
-    </p:extLst>
-  </p:cSld>
-  <p:clrMapOvr>
-    <a:masterClrMapping/>
-  </p:clrMapOvr>
-</p:sld>
-</file>
-
-<file path=ppt/slides/slide12.xml><?xml version="1.0" encoding="utf-8"?>
-<p:sld xmlns:a="http://schemas.openxmlformats.org/drawingml/2006/main" xmlns:r="http://schemas.openxmlformats.org/officeDocument/2006/relationships" xmlns:p="http://schemas.openxmlformats.org/presentationml/2006/main">
-  <p:cSld>
-    <p:spTree>
-      <p:nvGrpSpPr>
-        <p:cNvPr id="1" name=""/>
-        <p:cNvGrpSpPr/>
-        <p:nvPr/>
-      </p:nvGrpSpPr>
-      <p:grpSpPr>
-        <a:xfrm>
-          <a:off x="0" y="0"/>
-          <a:ext cx="0" cy="0"/>
-          <a:chOff x="0" y="0"/>
-          <a:chExt cx="0" cy="0"/>
-        </a:xfrm>
-      </p:grpSpPr>
-      <p:sp>
-        <p:nvSpPr>
-          <p:cNvPr id="2" name="Title 1">
-            <a:extLst>
-              <a:ext uri="{FF2B5EF4-FFF2-40B4-BE49-F238E27FC236}">
-                <a16:creationId xmlns:a16="http://schemas.microsoft.com/office/drawing/2014/main" id="{557BE3D1-6A40-76D8-45EB-E3EE01B8E91F}"/>
-              </a:ext>
-            </a:extLst>
-          </p:cNvPr>
-          <p:cNvSpPr>
-            <a:spLocks noGrp="1"/>
-          </p:cNvSpPr>
-          <p:nvPr>
-            <p:ph type="title"/>
-          </p:nvPr>
-        </p:nvSpPr>
-        <p:spPr>
-          <a:xfrm>
-            <a:off x="247028" y="192741"/>
-            <a:ext cx="8596668" cy="748553"/>
-          </a:xfrm>
-        </p:spPr>
-        <p:txBody>
-          <a:bodyPr>
-            <a:normAutofit/>
-          </a:bodyPr>
-          <a:lstStyle/>
-          <a:p>
-            <a:r>
-              <a:rPr lang="en-US" sz="3200" dirty="0"/>
-              <a:t>Geographical Data Clustering</a:t>
-            </a:r>
-            <a:endParaRPr lang="en-IN" sz="3200" dirty="0"/>
-          </a:p>
-        </p:txBody>
-      </p:sp>
-      <p:sp>
-        <p:nvSpPr>
-          <p:cNvPr id="3" name="Content Placeholder 2">
-            <a:extLst>
-              <a:ext uri="{FF2B5EF4-FFF2-40B4-BE49-F238E27FC236}">
-                <a16:creationId xmlns:a16="http://schemas.microsoft.com/office/drawing/2014/main" id="{D48C4BAF-1CBE-F11A-4C25-6E27D2BAC3AB}"/>
-              </a:ext>
-            </a:extLst>
-          </p:cNvPr>
-          <p:cNvSpPr>
-            <a:spLocks noGrp="1"/>
-          </p:cNvSpPr>
-          <p:nvPr>
-            <p:ph idx="1"/>
-          </p:nvPr>
-        </p:nvSpPr>
-        <p:spPr>
-          <a:xfrm>
-            <a:off x="0" y="1156448"/>
-            <a:ext cx="11793071" cy="5508811"/>
-          </a:xfrm>
-        </p:spPr>
-        <p:txBody>
-          <a:bodyPr>
-            <a:normAutofit lnSpcReduction="10000"/>
-          </a:bodyPr>
-          <a:lstStyle/>
-          <a:p>
-            <a:r>
-              <a:rPr lang="en-US" sz="2000" b="0" i="0" dirty="0">
-                <a:solidFill>
-                  <a:srgbClr val="374151"/>
-                </a:solidFill>
-                <a:effectLst/>
-                <a:latin typeface="Times New Roman" panose="02020603050405020304" pitchFamily="18" charset="0"/>
-                <a:cs typeface="Times New Roman" panose="02020603050405020304" pitchFamily="18" charset="0"/>
-              </a:rPr>
-              <a:t>Geographical data clustering is a technique used to group similar data points based on their geographic attributes.</a:t>
-            </a:r>
-          </a:p>
-          <a:p>
-            <a:pPr marL="0" indent="0">
-              <a:buNone/>
-            </a:pPr>
-            <a:endParaRPr lang="en-US" sz="2000" b="0" i="0" dirty="0">
-              <a:solidFill>
-                <a:srgbClr val="374151"/>
-              </a:solidFill>
-              <a:effectLst/>
-              <a:latin typeface="Times New Roman" panose="02020603050405020304" pitchFamily="18" charset="0"/>
-              <a:cs typeface="Times New Roman" panose="02020603050405020304" pitchFamily="18" charset="0"/>
-            </a:endParaRPr>
-          </a:p>
-          <a:p>
-            <a:r>
-              <a:rPr lang="en-US" sz="2000" b="0" i="0" dirty="0">
-                <a:solidFill>
-                  <a:srgbClr val="374151"/>
-                </a:solidFill>
-                <a:effectLst/>
-                <a:latin typeface="Times New Roman" panose="02020603050405020304" pitchFamily="18" charset="0"/>
-                <a:cs typeface="Times New Roman" panose="02020603050405020304" pitchFamily="18" charset="0"/>
-              </a:rPr>
-              <a:t>It helps in discovering spatial patterns, identifying clusters or regions with similar characteristics, and gaining insights from spatial data.</a:t>
-            </a:r>
-          </a:p>
-          <a:p>
-            <a:pPr marL="0" indent="0">
-              <a:buNone/>
-            </a:pPr>
-            <a:endParaRPr lang="en-US" sz="2000" b="0" i="0" dirty="0">
-              <a:solidFill>
-                <a:srgbClr val="374151"/>
-              </a:solidFill>
-              <a:effectLst/>
-              <a:latin typeface="Times New Roman" panose="02020603050405020304" pitchFamily="18" charset="0"/>
-              <a:cs typeface="Times New Roman" panose="02020603050405020304" pitchFamily="18" charset="0"/>
-            </a:endParaRPr>
-          </a:p>
-          <a:p>
-            <a:r>
-              <a:rPr lang="en-US" sz="2000" dirty="0">
-                <a:solidFill>
-                  <a:srgbClr val="374151"/>
-                </a:solidFill>
-                <a:latin typeface="Times New Roman" panose="02020603050405020304" pitchFamily="18" charset="0"/>
-                <a:cs typeface="Times New Roman" panose="02020603050405020304" pitchFamily="18" charset="0"/>
-              </a:rPr>
-              <a:t>The output data from the textual metadata processing is fed as in input to the geographical data clustering.</a:t>
-            </a:r>
-          </a:p>
-          <a:p>
-            <a:endParaRPr lang="en-US" sz="2000" dirty="0">
-              <a:solidFill>
-                <a:srgbClr val="374151"/>
-              </a:solidFill>
-              <a:latin typeface="Times New Roman" panose="02020603050405020304" pitchFamily="18" charset="0"/>
-              <a:cs typeface="Times New Roman" panose="02020603050405020304" pitchFamily="18" charset="0"/>
-            </a:endParaRPr>
-          </a:p>
-          <a:p>
-            <a:r>
-              <a:rPr lang="en-US" sz="2000" b="0" i="0" dirty="0">
-                <a:solidFill>
-                  <a:srgbClr val="374151"/>
-                </a:solidFill>
-                <a:effectLst/>
-                <a:latin typeface="Times New Roman" panose="02020603050405020304" pitchFamily="18" charset="0"/>
-                <a:cs typeface="Times New Roman" panose="02020603050405020304" pitchFamily="18" charset="0"/>
-              </a:rPr>
-              <a:t>The clustering algorithms we applied to geographical data, is HDBSCAN.</a:t>
-            </a:r>
-          </a:p>
-          <a:p>
-            <a:pPr marL="0" indent="0">
-              <a:buNone/>
-            </a:pPr>
-            <a:endParaRPr lang="en-US" sz="2000" b="0" i="0" dirty="0">
-              <a:solidFill>
-                <a:srgbClr val="374151"/>
-              </a:solidFill>
-              <a:effectLst/>
-              <a:latin typeface="Times New Roman" panose="02020603050405020304" pitchFamily="18" charset="0"/>
-              <a:cs typeface="Times New Roman" panose="02020603050405020304" pitchFamily="18" charset="0"/>
-            </a:endParaRPr>
-          </a:p>
-          <a:p>
-            <a:r>
-              <a:rPr lang="en-US" sz="2000" b="0" i="0" dirty="0">
-                <a:solidFill>
-                  <a:srgbClr val="374151"/>
-                </a:solidFill>
-                <a:effectLst/>
-                <a:latin typeface="Times New Roman" panose="02020603050405020304" pitchFamily="18" charset="0"/>
-                <a:cs typeface="Times New Roman" panose="02020603050405020304" pitchFamily="18" charset="0"/>
-              </a:rPr>
-              <a:t>Through this algorithm we partitioned the data points into clusters based on proximity or density criteria.</a:t>
-            </a:r>
-          </a:p>
-          <a:p>
-            <a:endParaRPr lang="en-US" sz="2000" dirty="0">
-              <a:solidFill>
-                <a:srgbClr val="374151"/>
-              </a:solidFill>
-              <a:latin typeface="Times New Roman" panose="02020603050405020304" pitchFamily="18" charset="0"/>
-              <a:cs typeface="Times New Roman" panose="02020603050405020304" pitchFamily="18" charset="0"/>
-            </a:endParaRPr>
-          </a:p>
-          <a:p>
-            <a:r>
-              <a:rPr lang="en-US" sz="2000" b="0" i="0" dirty="0">
-                <a:solidFill>
-                  <a:srgbClr val="374151"/>
-                </a:solidFill>
-                <a:effectLst/>
-                <a:latin typeface="Times New Roman" panose="02020603050405020304" pitchFamily="18" charset="0"/>
-                <a:cs typeface="Times New Roman" panose="02020603050405020304" pitchFamily="18" charset="0"/>
-              </a:rPr>
-              <a:t>Two graph before clustering and after clustering displaying the clustering process was obtained as an output of this process.</a:t>
-            </a:r>
-          </a:p>
-          <a:p>
-            <a:endParaRPr lang="en-US" dirty="0">
-              <a:solidFill>
-                <a:srgbClr val="374151"/>
-              </a:solidFill>
-              <a:latin typeface="Söhne"/>
-            </a:endParaRPr>
-          </a:p>
-        </p:txBody>
-      </p:sp>
-    </p:spTree>
-    <p:extLst>
-      <p:ext uri="{BB962C8B-B14F-4D97-AF65-F5344CB8AC3E}">
-        <p14:creationId xmlns:p14="http://schemas.microsoft.com/office/powerpoint/2010/main" val="226137181"/>
-      </p:ext>
-    </p:extLst>
-  </p:cSld>
-  <p:clrMapOvr>
-    <a:masterClrMapping/>
-  </p:clrMapOvr>
-</p:sld>
-</file>
-
-<file path=ppt/slides/slide13.xml><?xml version="1.0" encoding="utf-8"?>
-<p:sld xmlns:a="http://schemas.openxmlformats.org/drawingml/2006/main" xmlns:r="http://schemas.openxmlformats.org/officeDocument/2006/relationships" xmlns:p="http://schemas.openxmlformats.org/presentationml/2006/main">
-  <p:cSld>
-    <p:spTree>
-      <p:nvGrpSpPr>
-        <p:cNvPr id="1" name=""/>
-        <p:cNvGrpSpPr/>
-        <p:nvPr/>
-      </p:nvGrpSpPr>
-      <p:grpSpPr>
-        <a:xfrm>
-          <a:off x="0" y="0"/>
-          <a:ext cx="0" cy="0"/>
-          <a:chOff x="0" y="0"/>
-          <a:chExt cx="0" cy="0"/>
-        </a:xfrm>
-      </p:grpSpPr>
-      <p:sp>
-        <p:nvSpPr>
-          <p:cNvPr id="2" name="Title 1">
-            <a:extLst>
-              <a:ext uri="{FF2B5EF4-FFF2-40B4-BE49-F238E27FC236}">
-                <a16:creationId xmlns:a16="http://schemas.microsoft.com/office/drawing/2014/main" id="{AB76762C-50DD-3041-7667-718504F0C1CD}"/>
-              </a:ext>
-            </a:extLst>
-          </p:cNvPr>
-          <p:cNvSpPr>
-            <a:spLocks noGrp="1"/>
-          </p:cNvSpPr>
-          <p:nvPr>
-            <p:ph type="title"/>
-          </p:nvPr>
-        </p:nvSpPr>
-        <p:spPr>
-          <a:xfrm>
-            <a:off x="247028" y="442361"/>
-            <a:ext cx="8596668" cy="748553"/>
-          </a:xfrm>
-        </p:spPr>
-        <p:txBody>
-          <a:bodyPr>
-            <a:normAutofit fontScale="90000"/>
-          </a:bodyPr>
-          <a:lstStyle/>
-          <a:p>
-            <a:r>
-              <a:rPr lang="en-IN" sz="3600" kern="100" dirty="0">
-                <a:effectLst/>
-                <a:latin typeface="Times New Roman" panose="02020603050405020304" pitchFamily="18" charset="0"/>
-                <a:ea typeface="Calibri" panose="020F0502020204030204" pitchFamily="34" charset="0"/>
-                <a:cs typeface="Times New Roman" panose="02020603050405020304" pitchFamily="18" charset="0"/>
-              </a:rPr>
-              <a:t>Prediction of regional trends</a:t>
-            </a:r>
-            <a:br>
-              <a:rPr lang="en-IN" sz="3600" kern="100" dirty="0">
-                <a:effectLst/>
-                <a:latin typeface="Times New Roman" panose="02020603050405020304" pitchFamily="18" charset="0"/>
-                <a:ea typeface="Calibri" panose="020F0502020204030204" pitchFamily="34" charset="0"/>
-                <a:cs typeface="Times New Roman" panose="02020603050405020304" pitchFamily="18" charset="0"/>
-              </a:rPr>
-            </a:br>
-            <a:endParaRPr lang="en-IN" dirty="0"/>
-          </a:p>
-        </p:txBody>
-      </p:sp>
-      <p:sp>
-        <p:nvSpPr>
-          <p:cNvPr id="3" name="Content Placeholder 2">
-            <a:extLst>
-              <a:ext uri="{FF2B5EF4-FFF2-40B4-BE49-F238E27FC236}">
-                <a16:creationId xmlns:a16="http://schemas.microsoft.com/office/drawing/2014/main" id="{8A0E026E-99B9-8D69-99F4-B6C47E2D4ABF}"/>
-              </a:ext>
-            </a:extLst>
-          </p:cNvPr>
-          <p:cNvSpPr>
-            <a:spLocks noGrp="1"/>
-          </p:cNvSpPr>
-          <p:nvPr>
-            <p:ph idx="1"/>
-          </p:nvPr>
-        </p:nvSpPr>
-        <p:spPr>
-          <a:xfrm>
-            <a:off x="0" y="1190914"/>
-            <a:ext cx="12052563" cy="5540189"/>
-          </a:xfrm>
-        </p:spPr>
-        <p:txBody>
-          <a:bodyPr>
-            <a:normAutofit/>
-          </a:bodyPr>
-          <a:lstStyle/>
-          <a:p>
-            <a:r>
-              <a:rPr lang="en-US" sz="2000" b="0" i="0" dirty="0">
-                <a:solidFill>
-                  <a:srgbClr val="374151"/>
-                </a:solidFill>
-                <a:effectLst/>
-                <a:latin typeface="Times New Roman" panose="02020603050405020304" pitchFamily="18" charset="0"/>
-                <a:cs typeface="Times New Roman" panose="02020603050405020304" pitchFamily="18" charset="0"/>
-              </a:rPr>
-              <a:t>Next we used the Trend estimation which is helpful in analyzing time series data, such as tourist arrivals over different time periods.</a:t>
-            </a:r>
-          </a:p>
-          <a:p>
-            <a:pPr marL="0" indent="0">
-              <a:buNone/>
-            </a:pPr>
-            <a:endParaRPr lang="en-US" sz="2000" b="0" i="0" dirty="0">
-              <a:solidFill>
-                <a:srgbClr val="374151"/>
-              </a:solidFill>
-              <a:effectLst/>
-              <a:latin typeface="Times New Roman" panose="02020603050405020304" pitchFamily="18" charset="0"/>
-              <a:cs typeface="Times New Roman" panose="02020603050405020304" pitchFamily="18" charset="0"/>
-            </a:endParaRPr>
-          </a:p>
-          <a:p>
-            <a:r>
-              <a:rPr lang="en-US" sz="2000" b="0" i="0" dirty="0">
-                <a:solidFill>
-                  <a:srgbClr val="374151"/>
-                </a:solidFill>
-                <a:effectLst/>
-                <a:latin typeface="Times New Roman" panose="02020603050405020304" pitchFamily="18" charset="0"/>
-                <a:cs typeface="Times New Roman" panose="02020603050405020304" pitchFamily="18" charset="0"/>
-              </a:rPr>
-              <a:t>We used different Regression techniques, including linear regression, ridge regression, and lasso regression, to estimate trends and make predictions.</a:t>
-            </a:r>
-          </a:p>
-          <a:p>
-            <a:pPr marL="0" indent="0">
-              <a:buNone/>
-            </a:pPr>
-            <a:endParaRPr lang="en-US" sz="2000" b="0" i="0" dirty="0">
-              <a:solidFill>
-                <a:srgbClr val="374151"/>
-              </a:solidFill>
-              <a:effectLst/>
-              <a:latin typeface="Times New Roman" panose="02020603050405020304" pitchFamily="18" charset="0"/>
-              <a:cs typeface="Times New Roman" panose="02020603050405020304" pitchFamily="18" charset="0"/>
-            </a:endParaRPr>
-          </a:p>
-          <a:p>
-            <a:r>
-              <a:rPr lang="en-US" sz="2000" dirty="0">
-                <a:solidFill>
-                  <a:srgbClr val="374151"/>
-                </a:solidFill>
-                <a:latin typeface="Times New Roman" panose="02020603050405020304" pitchFamily="18" charset="0"/>
-                <a:cs typeface="Times New Roman" panose="02020603050405020304" pitchFamily="18" charset="0"/>
-              </a:rPr>
-              <a:t>The particular region dataset is fed as an input to this step in order to </a:t>
-            </a:r>
-            <a:r>
-              <a:rPr lang="en-IN" sz="2000" kern="0" dirty="0">
-                <a:effectLst/>
-                <a:latin typeface="Times New Roman" panose="02020603050405020304" pitchFamily="18" charset="0"/>
-                <a:ea typeface="Calibri" panose="020F0502020204030204" pitchFamily="34" charset="0"/>
-                <a:cs typeface="Times New Roman" panose="02020603050405020304" pitchFamily="18" charset="0"/>
-              </a:rPr>
-              <a:t>predict the number of tourists in a specific region, particularly.</a:t>
-            </a:r>
-          </a:p>
-          <a:p>
-            <a:pPr marL="0" indent="0">
-              <a:buNone/>
-            </a:pPr>
-            <a:endParaRPr lang="en-IN" sz="2000" kern="0" dirty="0">
-              <a:effectLst/>
-              <a:latin typeface="Times New Roman" panose="02020603050405020304" pitchFamily="18" charset="0"/>
-              <a:ea typeface="Calibri" panose="020F0502020204030204" pitchFamily="34" charset="0"/>
-              <a:cs typeface="Times New Roman" panose="02020603050405020304" pitchFamily="18" charset="0"/>
-            </a:endParaRPr>
-          </a:p>
-          <a:p>
-            <a:r>
-              <a:rPr lang="en-US" sz="2000" b="0" i="0" dirty="0">
-                <a:solidFill>
-                  <a:srgbClr val="374151"/>
-                </a:solidFill>
-                <a:effectLst/>
-                <a:latin typeface="Times New Roman" panose="02020603050405020304" pitchFamily="18" charset="0"/>
-                <a:cs typeface="Times New Roman" panose="02020603050405020304" pitchFamily="18" charset="0"/>
-              </a:rPr>
-              <a:t>By considering different polynomial degrees and regularization techniques, we obtained more accurate trend estimates and make informed predictions</a:t>
-            </a:r>
-            <a:r>
-              <a:rPr lang="en-US" sz="2000" b="0" i="0" dirty="0">
-                <a:solidFill>
-                  <a:srgbClr val="374151"/>
-                </a:solidFill>
-                <a:effectLst/>
-                <a:latin typeface="Söhne"/>
-              </a:rPr>
-              <a:t>.</a:t>
-            </a:r>
-          </a:p>
-          <a:p>
-            <a:endParaRPr lang="en-IN" sz="2000" kern="0" dirty="0">
-              <a:effectLst/>
-              <a:latin typeface="Times New Roman" panose="02020603050405020304" pitchFamily="18" charset="0"/>
-              <a:ea typeface="Calibri" panose="020F0502020204030204" pitchFamily="34" charset="0"/>
-              <a:cs typeface="Times New Roman" panose="02020603050405020304" pitchFamily="18" charset="0"/>
-            </a:endParaRPr>
-          </a:p>
-          <a:p>
-            <a:r>
-              <a:rPr lang="en-IN" sz="2000" kern="0" dirty="0">
-                <a:effectLst/>
-                <a:latin typeface="Times New Roman" panose="02020603050405020304" pitchFamily="18" charset="0"/>
-                <a:ea typeface="Calibri" panose="020F0502020204030204" pitchFamily="34" charset="0"/>
-                <a:cs typeface="Times New Roman" panose="02020603050405020304" pitchFamily="18" charset="0"/>
-              </a:rPr>
-              <a:t>The mean absolute error is also calculated to assess the accuracy of the predictions.</a:t>
-            </a:r>
-            <a:endParaRPr lang="en-IN" sz="2000" kern="100" dirty="0">
-              <a:effectLst/>
-              <a:latin typeface="Times New Roman" panose="02020603050405020304" pitchFamily="18" charset="0"/>
-              <a:ea typeface="Calibri" panose="020F0502020204030204" pitchFamily="34" charset="0"/>
-              <a:cs typeface="Times New Roman" panose="02020603050405020304" pitchFamily="18" charset="0"/>
-            </a:endParaRPr>
-          </a:p>
-          <a:p>
-            <a:pPr marL="0" indent="0">
-              <a:buNone/>
-            </a:pPr>
-            <a:endParaRPr lang="en-US" sz="2000" b="0" i="0" dirty="0">
-              <a:solidFill>
-                <a:srgbClr val="374151"/>
-              </a:solidFill>
-              <a:effectLst/>
-              <a:latin typeface="Times New Roman" panose="02020603050405020304" pitchFamily="18" charset="0"/>
-              <a:cs typeface="Times New Roman" panose="02020603050405020304" pitchFamily="18" charset="0"/>
-            </a:endParaRPr>
-          </a:p>
-        </p:txBody>
-      </p:sp>
-    </p:spTree>
-    <p:extLst>
-      <p:ext uri="{BB962C8B-B14F-4D97-AF65-F5344CB8AC3E}">
-        <p14:creationId xmlns:p14="http://schemas.microsoft.com/office/powerpoint/2010/main" val="2123914722"/>
-      </p:ext>
-    </p:extLst>
-  </p:cSld>
-  <p:clrMapOvr>
-    <a:masterClrMapping/>
-  </p:clrMapOvr>
-</p:sld>
-</file>
-
-<file path=ppt/slides/slide14.xml><?xml version="1.0" encoding="utf-8"?>
-<p:sld xmlns:a="http://schemas.openxmlformats.org/drawingml/2006/main" xmlns:r="http://schemas.openxmlformats.org/officeDocument/2006/relationships" xmlns:p="http://schemas.openxmlformats.org/presentationml/2006/main">
-  <p:cSld>
-    <p:spTree>
-      <p:nvGrpSpPr>
-        <p:cNvPr id="1" name=""/>
-        <p:cNvGrpSpPr/>
-        <p:nvPr/>
-      </p:nvGrpSpPr>
-      <p:grpSpPr>
-        <a:xfrm>
-          <a:off x="0" y="0"/>
-          <a:ext cx="0" cy="0"/>
-          <a:chOff x="0" y="0"/>
-          <a:chExt cx="0" cy="0"/>
-        </a:xfrm>
-      </p:grpSpPr>
-      <p:sp>
-        <p:nvSpPr>
-          <p:cNvPr id="2" name="Title 1">
-            <a:extLst>
-              <a:ext uri="{FF2B5EF4-FFF2-40B4-BE49-F238E27FC236}">
-                <a16:creationId xmlns:a16="http://schemas.microsoft.com/office/drawing/2014/main" id="{1F58E706-973D-EF3F-BE85-F949A073355E}"/>
-              </a:ext>
-            </a:extLst>
-          </p:cNvPr>
-          <p:cNvSpPr>
-            <a:spLocks noGrp="1"/>
-          </p:cNvSpPr>
-          <p:nvPr>
-            <p:ph type="title"/>
-          </p:nvPr>
-        </p:nvSpPr>
-        <p:spPr>
-          <a:xfrm>
-            <a:off x="260475" y="402020"/>
-            <a:ext cx="8596668" cy="829235"/>
-          </a:xfrm>
-        </p:spPr>
-        <p:txBody>
-          <a:bodyPr>
-            <a:normAutofit fontScale="90000"/>
-          </a:bodyPr>
-          <a:lstStyle/>
-          <a:p>
-            <a:r>
-              <a:rPr lang="en-IN" sz="3600" kern="100" dirty="0">
-                <a:latin typeface="Times New Roman" panose="02020603050405020304" pitchFamily="18" charset="0"/>
-                <a:cs typeface="Times New Roman" panose="02020603050405020304" pitchFamily="18" charset="0"/>
-              </a:rPr>
-              <a:t>Time Series Modelling</a:t>
-            </a:r>
-            <a:br>
-              <a:rPr lang="en-US" sz="3600" dirty="0">
-                <a:latin typeface="Times New Roman" panose="02020603050405020304" pitchFamily="18" charset="0"/>
-                <a:cs typeface="Times New Roman" panose="02020603050405020304" pitchFamily="18" charset="0"/>
-              </a:rPr>
-            </a:br>
-            <a:endParaRPr lang="en-IN" dirty="0"/>
-          </a:p>
-        </p:txBody>
-      </p:sp>
-      <p:sp>
-        <p:nvSpPr>
-          <p:cNvPr id="3" name="Content Placeholder 2">
-            <a:extLst>
-              <a:ext uri="{FF2B5EF4-FFF2-40B4-BE49-F238E27FC236}">
-                <a16:creationId xmlns:a16="http://schemas.microsoft.com/office/drawing/2014/main" id="{2FF49093-F188-E301-E2E8-C1F44C3B910B}"/>
-              </a:ext>
-            </a:extLst>
-          </p:cNvPr>
-          <p:cNvSpPr>
-            <a:spLocks noGrp="1"/>
-          </p:cNvSpPr>
-          <p:nvPr>
-            <p:ph idx="1"/>
-          </p:nvPr>
-        </p:nvSpPr>
-        <p:spPr>
-          <a:xfrm>
-            <a:off x="0" y="1062318"/>
-            <a:ext cx="12192000" cy="5795682"/>
-          </a:xfrm>
-        </p:spPr>
-        <p:txBody>
-          <a:bodyPr>
-            <a:normAutofit/>
-          </a:bodyPr>
-          <a:lstStyle/>
-          <a:p>
-            <a:r>
-              <a:rPr lang="en-US" sz="2000" dirty="0">
-                <a:latin typeface="Times New Roman" panose="02020603050405020304" pitchFamily="18" charset="0"/>
-                <a:cs typeface="Times New Roman" panose="02020603050405020304" pitchFamily="18" charset="0"/>
-              </a:rPr>
-              <a:t>Next and final we will use the </a:t>
-            </a:r>
-            <a:r>
-              <a:rPr lang="en-US" sz="2000" dirty="0">
-                <a:solidFill>
-                  <a:srgbClr val="374151"/>
-                </a:solidFill>
-                <a:effectLst/>
-                <a:latin typeface="Times New Roman" panose="02020603050405020304" pitchFamily="18" charset="0"/>
-                <a:cs typeface="Times New Roman" panose="02020603050405020304" pitchFamily="18" charset="0"/>
-              </a:rPr>
-              <a:t>Time series modeling which is a statistical technique used to analyze and forecast data that varies over time.</a:t>
-            </a:r>
-          </a:p>
-          <a:p>
-            <a:pPr marL="0" indent="0">
-              <a:buNone/>
-            </a:pPr>
-            <a:endParaRPr lang="en-US" sz="2000" dirty="0">
-              <a:solidFill>
-                <a:srgbClr val="374151"/>
-              </a:solidFill>
-              <a:effectLst/>
-              <a:latin typeface="Times New Roman" panose="02020603050405020304" pitchFamily="18" charset="0"/>
-              <a:cs typeface="Times New Roman" panose="02020603050405020304" pitchFamily="18" charset="0"/>
-            </a:endParaRPr>
-          </a:p>
-          <a:p>
-            <a:r>
-              <a:rPr lang="en-US" sz="2000" dirty="0">
-                <a:latin typeface="Times New Roman" panose="02020603050405020304" pitchFamily="18" charset="0"/>
-                <a:cs typeface="Times New Roman" panose="02020603050405020304" pitchFamily="18" charset="0"/>
-              </a:rPr>
-              <a:t>Using the time series modelling we constructed a time series data by counting the number of tourists on a monthly basis.</a:t>
-            </a:r>
-          </a:p>
-          <a:p>
-            <a:pPr marL="0" indent="0">
-              <a:buNone/>
-            </a:pPr>
-            <a:endParaRPr lang="en-US" sz="2000" dirty="0">
-              <a:latin typeface="Times New Roman" panose="02020603050405020304" pitchFamily="18" charset="0"/>
-              <a:cs typeface="Times New Roman" panose="02020603050405020304" pitchFamily="18" charset="0"/>
-            </a:endParaRPr>
-          </a:p>
-          <a:p>
-            <a:r>
-              <a:rPr lang="en-US" sz="2000" dirty="0">
-                <a:latin typeface="Times New Roman" panose="02020603050405020304" pitchFamily="18" charset="0"/>
-                <a:cs typeface="Times New Roman" panose="02020603050405020304" pitchFamily="18" charset="0"/>
-              </a:rPr>
-              <a:t>The data which was refined in the first step is fed as an input to analyze and forecast the tourists on a monthly basis.</a:t>
-            </a:r>
-            <a:endParaRPr lang="en-IN" sz="2000" dirty="0">
-              <a:latin typeface="Times New Roman" panose="02020603050405020304" pitchFamily="18" charset="0"/>
-              <a:cs typeface="Times New Roman" panose="02020603050405020304" pitchFamily="18" charset="0"/>
-            </a:endParaRPr>
-          </a:p>
-          <a:p>
-            <a:r>
-              <a:rPr lang="en-US" sz="2000" b="1" i="0" dirty="0">
-                <a:solidFill>
-                  <a:srgbClr val="374151"/>
-                </a:solidFill>
-                <a:effectLst/>
-                <a:latin typeface="Times New Roman" panose="02020603050405020304" pitchFamily="18" charset="0"/>
-                <a:cs typeface="Times New Roman" panose="02020603050405020304" pitchFamily="18" charset="0"/>
-              </a:rPr>
-              <a:t>Trend Analysis for Each Month:</a:t>
-            </a:r>
-          </a:p>
-          <a:p>
-            <a:pPr algn="l">
-              <a:buFont typeface="Arial" panose="020B0604020202020204" pitchFamily="34" charset="0"/>
-              <a:buChar char="•"/>
-            </a:pPr>
-            <a:r>
-              <a:rPr lang="en-US" sz="2000" b="0" i="0" dirty="0">
-                <a:solidFill>
-                  <a:srgbClr val="374151"/>
-                </a:solidFill>
-                <a:effectLst/>
-                <a:latin typeface="Times New Roman" panose="02020603050405020304" pitchFamily="18" charset="0"/>
-                <a:cs typeface="Times New Roman" panose="02020603050405020304" pitchFamily="18" charset="0"/>
-              </a:rPr>
-              <a:t>To analyze the trend for each month, linear regression with polynomial features is applied.</a:t>
-            </a:r>
-          </a:p>
-          <a:p>
-            <a:pPr algn="l">
-              <a:buFont typeface="Arial" panose="020B0604020202020204" pitchFamily="34" charset="0"/>
-              <a:buChar char="•"/>
-            </a:pPr>
-            <a:r>
-              <a:rPr lang="en-US" sz="2000" b="0" i="0" dirty="0">
-                <a:solidFill>
-                  <a:srgbClr val="374151"/>
-                </a:solidFill>
-                <a:effectLst/>
-                <a:latin typeface="Times New Roman" panose="02020603050405020304" pitchFamily="18" charset="0"/>
-                <a:cs typeface="Times New Roman" panose="02020603050405020304" pitchFamily="18" charset="0"/>
-              </a:rPr>
-              <a:t>For each month, a scatter plot is created with the tourist count for each year.</a:t>
-            </a:r>
-          </a:p>
-          <a:p>
-            <a:pPr algn="l">
-              <a:buFont typeface="Arial" panose="020B0604020202020204" pitchFamily="34" charset="0"/>
-              <a:buChar char="•"/>
-            </a:pPr>
-            <a:r>
-              <a:rPr lang="en-US" sz="2000" b="0" i="0" dirty="0">
-                <a:solidFill>
-                  <a:srgbClr val="374151"/>
-                </a:solidFill>
-                <a:effectLst/>
-                <a:latin typeface="Times New Roman" panose="02020603050405020304" pitchFamily="18" charset="0"/>
-                <a:cs typeface="Times New Roman" panose="02020603050405020304" pitchFamily="18" charset="0"/>
-              </a:rPr>
-              <a:t>A polynomial regression model is fitted to the data to estimate the trend line.</a:t>
-            </a:r>
-          </a:p>
-          <a:p>
-            <a:pPr algn="l">
-              <a:buFont typeface="Arial" panose="020B0604020202020204" pitchFamily="34" charset="0"/>
-              <a:buChar char="•"/>
-            </a:pPr>
-            <a:r>
-              <a:rPr lang="en-US" sz="2000" b="0" i="0" dirty="0">
-                <a:solidFill>
-                  <a:srgbClr val="374151"/>
-                </a:solidFill>
-                <a:effectLst/>
-                <a:latin typeface="Times New Roman" panose="02020603050405020304" pitchFamily="18" charset="0"/>
-                <a:cs typeface="Times New Roman" panose="02020603050405020304" pitchFamily="18" charset="0"/>
-              </a:rPr>
-              <a:t>The model predictions are plotted against the actual tourist counts to visualize the trend.</a:t>
-            </a:r>
-          </a:p>
-          <a:p>
-            <a:pPr marL="0" indent="0">
-              <a:buNone/>
-            </a:pPr>
-            <a:endParaRPr lang="en-US" sz="2000" dirty="0">
-              <a:latin typeface="Times New Roman" panose="02020603050405020304" pitchFamily="18" charset="0"/>
-              <a:cs typeface="Times New Roman" panose="02020603050405020304" pitchFamily="18" charset="0"/>
-            </a:endParaRPr>
-          </a:p>
-        </p:txBody>
-      </p:sp>
-    </p:spTree>
-    <p:extLst>
-      <p:ext uri="{BB962C8B-B14F-4D97-AF65-F5344CB8AC3E}">
-        <p14:creationId xmlns:p14="http://schemas.microsoft.com/office/powerpoint/2010/main" val="2482654073"/>
-      </p:ext>
-    </p:extLst>
-  </p:cSld>
-  <p:clrMapOvr>
-    <a:masterClrMapping/>
-  </p:clrMapOvr>
-</p:sld>
-</file>
-
-<file path=ppt/slides/slide15.xml><?xml version="1.0" encoding="utf-8"?>
-<p:sld xmlns:a="http://schemas.openxmlformats.org/drawingml/2006/main" xmlns:r="http://schemas.openxmlformats.org/officeDocument/2006/relationships" xmlns:p="http://schemas.openxmlformats.org/presentationml/2006/main">
-  <p:cSld>
-    <p:spTree>
-      <p:nvGrpSpPr>
-        <p:cNvPr id="1" name=""/>
-        <p:cNvGrpSpPr/>
-        <p:nvPr/>
-      </p:nvGrpSpPr>
-      <p:grpSpPr>
-        <a:xfrm>
-          <a:off x="0" y="0"/>
-          <a:ext cx="0" cy="0"/>
-          <a:chOff x="0" y="0"/>
-          <a:chExt cx="0" cy="0"/>
-        </a:xfrm>
-      </p:grpSpPr>
-      <p:sp>
-        <p:nvSpPr>
-          <p:cNvPr id="2" name="Title 1">
-            <a:extLst>
-              <a:ext uri="{FF2B5EF4-FFF2-40B4-BE49-F238E27FC236}">
-                <a16:creationId xmlns:a16="http://schemas.microsoft.com/office/drawing/2014/main" id="{183771A6-ECC9-E45D-F81D-3C7D5C8A0F07}"/>
-              </a:ext>
-            </a:extLst>
-          </p:cNvPr>
-          <p:cNvSpPr>
-            <a:spLocks noGrp="1"/>
-          </p:cNvSpPr>
-          <p:nvPr>
-            <p:ph type="title"/>
-          </p:nvPr>
-        </p:nvSpPr>
-        <p:spPr>
-          <a:xfrm>
-            <a:off x="408393" y="395297"/>
-            <a:ext cx="8596668" cy="842682"/>
-          </a:xfrm>
-        </p:spPr>
-        <p:txBody>
-          <a:bodyPr/>
-          <a:lstStyle/>
-          <a:p>
-            <a:r>
-              <a:rPr lang="en-US" dirty="0"/>
-              <a:t>Results/Outcomes</a:t>
-            </a:r>
-            <a:endParaRPr lang="en-IN" dirty="0"/>
-          </a:p>
-        </p:txBody>
-      </p:sp>
-      <p:sp>
-        <p:nvSpPr>
-          <p:cNvPr id="3" name="Content Placeholder 2">
-            <a:extLst>
-              <a:ext uri="{FF2B5EF4-FFF2-40B4-BE49-F238E27FC236}">
-                <a16:creationId xmlns:a16="http://schemas.microsoft.com/office/drawing/2014/main" id="{28FC183A-8421-11EB-7646-38EEFCF01CC5}"/>
-              </a:ext>
-            </a:extLst>
-          </p:cNvPr>
-          <p:cNvSpPr>
-            <a:spLocks noGrp="1"/>
-          </p:cNvSpPr>
-          <p:nvPr>
-            <p:ph idx="1"/>
-          </p:nvPr>
-        </p:nvSpPr>
-        <p:spPr>
-          <a:xfrm>
-            <a:off x="94129" y="1694329"/>
-            <a:ext cx="12097871" cy="5499847"/>
-          </a:xfrm>
-        </p:spPr>
-        <p:txBody>
-          <a:bodyPr>
-            <a:normAutofit/>
-          </a:bodyPr>
-          <a:lstStyle/>
-          <a:p>
-            <a:r>
-              <a:rPr lang="en-US" sz="2000" dirty="0">
-                <a:latin typeface="Times New Roman" panose="02020603050405020304" pitchFamily="18" charset="0"/>
-                <a:cs typeface="Times New Roman" panose="02020603050405020304" pitchFamily="18" charset="0"/>
-              </a:rPr>
-              <a:t>The overall project depicted the use of large amount of tourists data for multiple regions across multiple countries.</a:t>
-            </a:r>
-          </a:p>
-          <a:p>
-            <a:pPr marL="0" indent="0">
-              <a:buNone/>
-            </a:pPr>
-            <a:endParaRPr lang="en-US" sz="2000" dirty="0">
-              <a:latin typeface="Times New Roman" panose="02020603050405020304" pitchFamily="18" charset="0"/>
-              <a:cs typeface="Times New Roman" panose="02020603050405020304" pitchFamily="18" charset="0"/>
-            </a:endParaRPr>
-          </a:p>
-          <a:p>
-            <a:r>
-              <a:rPr lang="en-US" sz="2000" dirty="0">
-                <a:latin typeface="Times New Roman" panose="02020603050405020304" pitchFamily="18" charset="0"/>
-                <a:cs typeface="Times New Roman" panose="02020603050405020304" pitchFamily="18" charset="0"/>
-              </a:rPr>
-              <a:t>The data was cleaned, analyzed, forecasted and used many components to generate some of the meaningful insights.</a:t>
-            </a:r>
-          </a:p>
-          <a:p>
-            <a:pPr marL="0" indent="0">
-              <a:buNone/>
-            </a:pPr>
-            <a:endParaRPr lang="en-US" sz="2000" dirty="0">
-              <a:latin typeface="Times New Roman" panose="02020603050405020304" pitchFamily="18" charset="0"/>
-              <a:cs typeface="Times New Roman" panose="02020603050405020304" pitchFamily="18" charset="0"/>
-            </a:endParaRPr>
-          </a:p>
-          <a:p>
-            <a:r>
-              <a:rPr lang="en-US" sz="2000" b="1" dirty="0">
-                <a:latin typeface="Times New Roman" panose="02020603050405020304" pitchFamily="18" charset="0"/>
-                <a:cs typeface="Times New Roman" panose="02020603050405020304" pitchFamily="18" charset="0"/>
-              </a:rPr>
-              <a:t>Refinement of Data</a:t>
-            </a:r>
-            <a:r>
-              <a:rPr lang="en-US" sz="2000" dirty="0">
-                <a:latin typeface="Times New Roman" panose="02020603050405020304" pitchFamily="18" charset="0"/>
-                <a:cs typeface="Times New Roman" panose="02020603050405020304" pitchFamily="18" charset="0"/>
-              </a:rPr>
-              <a:t>: In this initial step the data was refined to small chunks based on particular region or country.</a:t>
-            </a:r>
-          </a:p>
-          <a:p>
-            <a:endParaRPr lang="en-US" sz="2000" dirty="0">
-              <a:latin typeface="Times New Roman" panose="02020603050405020304" pitchFamily="18" charset="0"/>
-              <a:cs typeface="Times New Roman" panose="02020603050405020304" pitchFamily="18" charset="0"/>
-            </a:endParaRPr>
-          </a:p>
-          <a:p>
-            <a:r>
-              <a:rPr lang="en-US" sz="2000" b="1" dirty="0">
-                <a:latin typeface="Times New Roman" panose="02020603050405020304" pitchFamily="18" charset="0"/>
-                <a:cs typeface="Times New Roman" panose="02020603050405020304" pitchFamily="18" charset="0"/>
-              </a:rPr>
-              <a:t>Textual Metadata Processing</a:t>
-            </a:r>
-            <a:r>
-              <a:rPr lang="en-US" sz="2000" dirty="0">
-                <a:latin typeface="Times New Roman" panose="02020603050405020304" pitchFamily="18" charset="0"/>
-                <a:cs typeface="Times New Roman" panose="02020603050405020304" pitchFamily="18" charset="0"/>
-              </a:rPr>
-              <a:t>: In this step we cleaned the data to remove the stop words, tokenization to make the data more meaningful for further processing in order to get the good insights.</a:t>
-            </a:r>
-          </a:p>
-          <a:p>
-            <a:endParaRPr lang="en-US" sz="2000" dirty="0">
-              <a:latin typeface="Times New Roman" panose="02020603050405020304" pitchFamily="18" charset="0"/>
-              <a:cs typeface="Times New Roman" panose="02020603050405020304" pitchFamily="18" charset="0"/>
-            </a:endParaRPr>
-          </a:p>
-          <a:p>
-            <a:endParaRPr lang="en-IN" sz="2000" dirty="0">
-              <a:latin typeface="Times New Roman" panose="02020603050405020304" pitchFamily="18" charset="0"/>
-              <a:cs typeface="Times New Roman" panose="02020603050405020304" pitchFamily="18" charset="0"/>
-            </a:endParaRPr>
-          </a:p>
-        </p:txBody>
-      </p:sp>
-    </p:spTree>
-    <p:extLst>
-      <p:ext uri="{BB962C8B-B14F-4D97-AF65-F5344CB8AC3E}">
-        <p14:creationId xmlns:p14="http://schemas.microsoft.com/office/powerpoint/2010/main" val="1524692437"/>
-      </p:ext>
-    </p:extLst>
-  </p:cSld>
-  <p:clrMapOvr>
-    <a:masterClrMapping/>
-  </p:clrMapOvr>
-</p:sld>
-</file>
-
-<file path=ppt/slides/slide16.xml><?xml version="1.0" encoding="utf-8"?>
-<p:sld xmlns:a="http://schemas.openxmlformats.org/drawingml/2006/main" xmlns:r="http://schemas.openxmlformats.org/officeDocument/2006/relationships" xmlns:p="http://schemas.openxmlformats.org/presentationml/2006/main">
-  <p:cSld>
-    <p:spTree>
-      <p:nvGrpSpPr>
-        <p:cNvPr id="1" name=""/>
-        <p:cNvGrpSpPr/>
-        <p:nvPr/>
-      </p:nvGrpSpPr>
-      <p:grpSpPr>
-        <a:xfrm>
-          <a:off x="0" y="0"/>
-          <a:ext cx="0" cy="0"/>
-          <a:chOff x="0" y="0"/>
-          <a:chExt cx="0" cy="0"/>
-        </a:xfrm>
-      </p:grpSpPr>
-      <p:sp>
-        <p:nvSpPr>
-          <p:cNvPr id="2" name="Title 1">
-            <a:extLst>
-              <a:ext uri="{FF2B5EF4-FFF2-40B4-BE49-F238E27FC236}">
-                <a16:creationId xmlns:a16="http://schemas.microsoft.com/office/drawing/2014/main" id="{C581B049-2732-5210-7E44-597F908F8742}"/>
-              </a:ext>
-            </a:extLst>
-          </p:cNvPr>
-          <p:cNvSpPr>
-            <a:spLocks noGrp="1"/>
-          </p:cNvSpPr>
-          <p:nvPr>
-            <p:ph type="title"/>
-          </p:nvPr>
-        </p:nvSpPr>
-        <p:spPr>
-          <a:xfrm>
-            <a:off x="475629" y="475979"/>
-            <a:ext cx="8596668" cy="681318"/>
-          </a:xfrm>
-        </p:spPr>
-        <p:txBody>
-          <a:bodyPr/>
-          <a:lstStyle/>
-          <a:p>
-            <a:r>
-              <a:rPr lang="en-US" dirty="0">
-                <a:latin typeface="Times New Roman" panose="02020603050405020304" pitchFamily="18" charset="0"/>
-                <a:cs typeface="Times New Roman" panose="02020603050405020304" pitchFamily="18" charset="0"/>
-              </a:rPr>
-              <a:t>Results/Outcomes</a:t>
-            </a:r>
-            <a:endParaRPr lang="en-IN" dirty="0">
-              <a:latin typeface="Times New Roman" panose="02020603050405020304" pitchFamily="18" charset="0"/>
-              <a:cs typeface="Times New Roman" panose="02020603050405020304" pitchFamily="18" charset="0"/>
-            </a:endParaRPr>
-          </a:p>
-        </p:txBody>
-      </p:sp>
-      <p:sp>
-        <p:nvSpPr>
-          <p:cNvPr id="3" name="Content Placeholder 2">
-            <a:extLst>
-              <a:ext uri="{FF2B5EF4-FFF2-40B4-BE49-F238E27FC236}">
-                <a16:creationId xmlns:a16="http://schemas.microsoft.com/office/drawing/2014/main" id="{35EF8E5D-E9B0-C68B-65A9-6FC238AE2FEA}"/>
-              </a:ext>
-            </a:extLst>
-          </p:cNvPr>
-          <p:cNvSpPr>
-            <a:spLocks noGrp="1"/>
-          </p:cNvSpPr>
-          <p:nvPr>
-            <p:ph idx="1"/>
-          </p:nvPr>
-        </p:nvSpPr>
-        <p:spPr>
-          <a:xfrm>
-            <a:off x="0" y="1270432"/>
-            <a:ext cx="12192000" cy="5392271"/>
-          </a:xfrm>
-        </p:spPr>
-        <p:txBody>
-          <a:bodyPr/>
-          <a:lstStyle/>
-          <a:p>
-            <a:pPr marL="0" lvl="0" indent="0">
-              <a:buNone/>
-            </a:pPr>
-            <a:r>
-              <a:rPr lang="en-IN" sz="2000" b="1" dirty="0">
-                <a:solidFill>
-                  <a:srgbClr val="1F2328"/>
-                </a:solidFill>
-                <a:effectLst/>
-                <a:latin typeface="Times New Roman" panose="02020603050405020304" pitchFamily="18" charset="0"/>
-                <a:ea typeface="Calibri" panose="020F0502020204030204" pitchFamily="34" charset="0"/>
-                <a:cs typeface="Times New Roman" panose="02020603050405020304" pitchFamily="18" charset="0"/>
-              </a:rPr>
-              <a:t>Geographical Data Clustering</a:t>
-            </a:r>
-            <a:r>
-              <a:rPr lang="en-IN" sz="2000" dirty="0">
-                <a:solidFill>
-                  <a:srgbClr val="1F2328"/>
-                </a:solidFill>
-                <a:effectLst/>
-                <a:latin typeface="Times New Roman" panose="02020603050405020304" pitchFamily="18" charset="0"/>
-                <a:ea typeface="Calibri" panose="020F0502020204030204" pitchFamily="34" charset="0"/>
-                <a:cs typeface="Times New Roman" panose="02020603050405020304" pitchFamily="18" charset="0"/>
-              </a:rPr>
-              <a:t> : This step</a:t>
-            </a:r>
-            <a:r>
-              <a:rPr lang="en-IN" sz="2000" dirty="0">
-                <a:solidFill>
-                  <a:srgbClr val="1F2328"/>
-                </a:solidFill>
-                <a:latin typeface="Times New Roman" panose="02020603050405020304" pitchFamily="18" charset="0"/>
-                <a:ea typeface="Calibri" panose="020F0502020204030204" pitchFamily="34" charset="0"/>
-                <a:cs typeface="Times New Roman" panose="02020603050405020304" pitchFamily="18" charset="0"/>
-              </a:rPr>
-              <a:t> generates the</a:t>
-            </a:r>
-            <a:r>
-              <a:rPr lang="en-IN" sz="2000" dirty="0">
-                <a:solidFill>
-                  <a:srgbClr val="1F2328"/>
-                </a:solidFill>
-                <a:effectLst/>
-                <a:latin typeface="Times New Roman" panose="02020603050405020304" pitchFamily="18" charset="0"/>
-                <a:ea typeface="Times New Roman" panose="02020603050405020304" pitchFamily="18" charset="0"/>
-                <a:cs typeface="Times New Roman" panose="02020603050405020304" pitchFamily="18" charset="0"/>
-              </a:rPr>
-              <a:t> Geographical clustering stage output. After running the notebook depicting the code to generate the geographical data clustering, we get the image representing the clusters.</a:t>
-            </a:r>
-            <a:endParaRPr lang="en-IN" sz="2000" dirty="0">
-              <a:latin typeface="Times New Roman" panose="02020603050405020304" pitchFamily="18" charset="0"/>
-              <a:ea typeface="Times New Roman" panose="02020603050405020304" pitchFamily="18" charset="0"/>
-              <a:cs typeface="Times New Roman" panose="02020603050405020304" pitchFamily="18" charset="0"/>
-            </a:endParaRPr>
-          </a:p>
-          <a:p>
-            <a:pPr marL="0" lvl="0" indent="0">
-              <a:buNone/>
-            </a:pPr>
-            <a:endParaRPr lang="en-IN" sz="2000" dirty="0">
-              <a:solidFill>
-                <a:srgbClr val="1F2328"/>
-              </a:solidFill>
-              <a:effectLst/>
-              <a:latin typeface="Times New Roman" panose="02020603050405020304" pitchFamily="18" charset="0"/>
-              <a:ea typeface="Times New Roman" panose="02020603050405020304" pitchFamily="18" charset="0"/>
-              <a:cs typeface="Times New Roman" panose="02020603050405020304" pitchFamily="18" charset="0"/>
-            </a:endParaRPr>
-          </a:p>
-          <a:p>
-            <a:pPr marL="0" lvl="0" indent="0">
-              <a:buNone/>
-            </a:pPr>
-            <a:r>
-              <a:rPr lang="en-IN" sz="2000" dirty="0">
-                <a:solidFill>
-                  <a:srgbClr val="1F2328"/>
-                </a:solidFill>
-                <a:effectLst/>
-                <a:latin typeface="Times New Roman" panose="02020603050405020304" pitchFamily="18" charset="0"/>
-                <a:ea typeface="Times New Roman" panose="02020603050405020304" pitchFamily="18" charset="0"/>
-                <a:cs typeface="Times New Roman" panose="02020603050405020304" pitchFamily="18" charset="0"/>
-              </a:rPr>
-              <a:t>Below are the Images depicting cluster formation.</a:t>
-            </a:r>
-          </a:p>
-          <a:p>
-            <a:r>
-              <a:rPr lang="en-IN" sz="2000" b="1" dirty="0">
-                <a:solidFill>
-                  <a:srgbClr val="1F2328"/>
-                </a:solidFill>
-                <a:latin typeface="Times New Roman" panose="02020603050405020304" pitchFamily="18" charset="0"/>
-                <a:ea typeface="Times New Roman" panose="02020603050405020304" pitchFamily="18" charset="0"/>
-                <a:cs typeface="Times New Roman" panose="02020603050405020304" pitchFamily="18" charset="0"/>
-              </a:rPr>
-              <a:t>Before Cluster Formation:</a:t>
-            </a:r>
-            <a:endParaRPr lang="en-IN" sz="2000" b="1" dirty="0">
-              <a:effectLst/>
-              <a:latin typeface="Times New Roman" panose="02020603050405020304" pitchFamily="18" charset="0"/>
-              <a:ea typeface="Times New Roman" panose="02020603050405020304" pitchFamily="18" charset="0"/>
-              <a:cs typeface="Times New Roman" panose="02020603050405020304" pitchFamily="18" charset="0"/>
-            </a:endParaRPr>
-          </a:p>
-          <a:p>
-            <a:endParaRPr lang="en-IN" dirty="0"/>
-          </a:p>
-        </p:txBody>
-      </p:sp>
-      <p:pic>
-        <p:nvPicPr>
-          <p:cNvPr id="6" name="Picture 5">
-            <a:extLst>
-              <a:ext uri="{FF2B5EF4-FFF2-40B4-BE49-F238E27FC236}">
-                <a16:creationId xmlns:a16="http://schemas.microsoft.com/office/drawing/2014/main" id="{F2CCA0CE-5FAC-2E23-CE20-B0B3129E0026}"/>
-              </a:ext>
-            </a:extLst>
-          </p:cNvPr>
-          <p:cNvPicPr>
-            <a:picLocks noChangeAspect="1"/>
-          </p:cNvPicPr>
-          <p:nvPr/>
-        </p:nvPicPr>
-        <p:blipFill>
-          <a:blip r:embed="rId2"/>
-          <a:stretch>
-            <a:fillRect/>
-          </a:stretch>
-        </p:blipFill>
-        <p:spPr>
-          <a:xfrm>
-            <a:off x="3457219" y="3294530"/>
-            <a:ext cx="4920299" cy="3233703"/>
-          </a:xfrm>
-          <a:prstGeom prst="rect">
-            <a:avLst/>
-          </a:prstGeom>
-        </p:spPr>
-      </p:pic>
-    </p:spTree>
-    <p:extLst>
-      <p:ext uri="{BB962C8B-B14F-4D97-AF65-F5344CB8AC3E}">
-        <p14:creationId xmlns:p14="http://schemas.microsoft.com/office/powerpoint/2010/main" val="1791109523"/>
-      </p:ext>
-    </p:extLst>
-  </p:cSld>
-  <p:clrMapOvr>
-    <a:masterClrMapping/>
-  </p:clrMapOvr>
-</p:sld>
-</file>
-
-<file path=ppt/slides/slide17.xml><?xml version="1.0" encoding="utf-8"?>
-<p:sld xmlns:a="http://schemas.openxmlformats.org/drawingml/2006/main" xmlns:r="http://schemas.openxmlformats.org/officeDocument/2006/relationships" xmlns:p="http://schemas.openxmlformats.org/presentationml/2006/main">
-  <p:cSld>
-    <p:spTree>
-      <p:nvGrpSpPr>
-        <p:cNvPr id="1" name=""/>
-        <p:cNvGrpSpPr/>
-        <p:nvPr/>
-      </p:nvGrpSpPr>
-      <p:grpSpPr>
-        <a:xfrm>
-          <a:off x="0" y="0"/>
-          <a:ext cx="0" cy="0"/>
-          <a:chOff x="0" y="0"/>
-          <a:chExt cx="0" cy="0"/>
-        </a:xfrm>
-      </p:grpSpPr>
-      <p:sp>
-        <p:nvSpPr>
-          <p:cNvPr id="3" name="Content Placeholder 2">
-            <a:extLst>
-              <a:ext uri="{FF2B5EF4-FFF2-40B4-BE49-F238E27FC236}">
-                <a16:creationId xmlns:a16="http://schemas.microsoft.com/office/drawing/2014/main" id="{5E11D8CB-5F39-C057-722E-6BF4BA73F1D2}"/>
-              </a:ext>
-            </a:extLst>
-          </p:cNvPr>
-          <p:cNvSpPr>
-            <a:spLocks noGrp="1"/>
-          </p:cNvSpPr>
-          <p:nvPr>
-            <p:ph idx="1"/>
-          </p:nvPr>
-        </p:nvSpPr>
-        <p:spPr>
-          <a:xfrm>
-            <a:off x="0" y="132654"/>
-            <a:ext cx="12192000" cy="6592691"/>
-          </a:xfrm>
-        </p:spPr>
-        <p:txBody>
-          <a:bodyPr/>
-          <a:lstStyle/>
-          <a:p>
-            <a:endParaRPr lang="en-US" dirty="0"/>
-          </a:p>
-          <a:p>
-            <a:r>
-              <a:rPr lang="en-IN" sz="2000" b="1" dirty="0">
-                <a:latin typeface="Times New Roman" panose="02020603050405020304" pitchFamily="18" charset="0"/>
-                <a:cs typeface="Times New Roman" panose="02020603050405020304" pitchFamily="18" charset="0"/>
-              </a:rPr>
-              <a:t>After Cluster formation:</a:t>
-            </a:r>
-          </a:p>
-          <a:p>
-            <a:endParaRPr lang="en-IN" dirty="0"/>
-          </a:p>
-          <a:p>
-            <a:endParaRPr lang="en-IN" dirty="0"/>
-          </a:p>
-          <a:p>
-            <a:endParaRPr lang="en-IN" dirty="0"/>
-          </a:p>
-          <a:p>
-            <a:endParaRPr lang="en-IN" dirty="0"/>
-          </a:p>
-          <a:p>
-            <a:endParaRPr lang="en-IN" dirty="0"/>
-          </a:p>
-          <a:p>
-            <a:endParaRPr lang="en-IN" dirty="0"/>
-          </a:p>
-          <a:p>
-            <a:endParaRPr lang="en-IN" dirty="0"/>
-          </a:p>
-          <a:p>
-            <a:endParaRPr lang="en-IN" dirty="0"/>
-          </a:p>
-          <a:p>
-            <a:endParaRPr lang="en-IN" dirty="0"/>
-          </a:p>
-          <a:p>
-            <a:endParaRPr lang="en-IN" dirty="0"/>
-          </a:p>
-          <a:p>
-            <a:r>
-              <a:rPr lang="en-IN" sz="2000" dirty="0">
-                <a:effectLst/>
-                <a:latin typeface="Times New Roman" panose="02020603050405020304" pitchFamily="18" charset="0"/>
-                <a:ea typeface="Calibri" panose="020F0502020204030204" pitchFamily="34" charset="0"/>
-                <a:cs typeface="Times New Roman" panose="02020603050405020304" pitchFamily="18" charset="0"/>
-              </a:rPr>
-              <a:t>It represents the clusters identified by the HDBSCAN algorithm. Each cluster is assigned a different colour. The data points belonging to each cluster are plotted using the corresponding colour</a:t>
-            </a:r>
-            <a:endParaRPr lang="en-IN" sz="2000" dirty="0">
-              <a:latin typeface="Times New Roman" panose="02020603050405020304" pitchFamily="18" charset="0"/>
-              <a:cs typeface="Times New Roman" panose="02020603050405020304" pitchFamily="18" charset="0"/>
-            </a:endParaRPr>
-          </a:p>
-        </p:txBody>
-      </p:sp>
-      <p:pic>
-        <p:nvPicPr>
-          <p:cNvPr id="4" name="Picture 3">
-            <a:extLst>
-              <a:ext uri="{FF2B5EF4-FFF2-40B4-BE49-F238E27FC236}">
-                <a16:creationId xmlns:a16="http://schemas.microsoft.com/office/drawing/2014/main" id="{74228F45-299F-8878-4CC9-58820A8D1849}"/>
-              </a:ext>
-            </a:extLst>
-          </p:cNvPr>
-          <p:cNvPicPr>
-            <a:picLocks noChangeAspect="1"/>
-          </p:cNvPicPr>
-          <p:nvPr/>
-        </p:nvPicPr>
-        <p:blipFill>
-          <a:blip r:embed="rId2"/>
-          <a:stretch>
-            <a:fillRect/>
-          </a:stretch>
-        </p:blipFill>
-        <p:spPr>
-          <a:xfrm>
-            <a:off x="2144601" y="1092348"/>
-            <a:ext cx="5452987" cy="3537073"/>
-          </a:xfrm>
-          <a:prstGeom prst="rect">
-            <a:avLst/>
-          </a:prstGeom>
-        </p:spPr>
-      </p:pic>
-    </p:spTree>
-    <p:extLst>
-      <p:ext uri="{BB962C8B-B14F-4D97-AF65-F5344CB8AC3E}">
-        <p14:creationId xmlns:p14="http://schemas.microsoft.com/office/powerpoint/2010/main" val="453141884"/>
-      </p:ext>
-    </p:extLst>
-  </p:cSld>
-  <p:clrMapOvr>
-    <a:masterClrMapping/>
-  </p:clrMapOvr>
-</p:sld>
-</file>
-
-<file path=ppt/slides/slide18.xml><?xml version="1.0" encoding="utf-8"?>
-<p:sld xmlns:a="http://schemas.openxmlformats.org/drawingml/2006/main" xmlns:r="http://schemas.openxmlformats.org/officeDocument/2006/relationships" xmlns:p="http://schemas.openxmlformats.org/presentationml/2006/main">
-  <p:cSld>
-    <p:spTree>
-      <p:nvGrpSpPr>
-        <p:cNvPr id="1" name=""/>
-        <p:cNvGrpSpPr/>
-        <p:nvPr/>
-      </p:nvGrpSpPr>
-      <p:grpSpPr>
-        <a:xfrm>
-          <a:off x="0" y="0"/>
-          <a:ext cx="0" cy="0"/>
-          <a:chOff x="0" y="0"/>
-          <a:chExt cx="0" cy="0"/>
-        </a:xfrm>
-      </p:grpSpPr>
-      <p:sp>
-        <p:nvSpPr>
           <p:cNvPr id="2" name="Title 1">
             <a:extLst>
               <a:ext uri="{FF2B5EF4-FFF2-40B4-BE49-F238E27FC236}">
@@ -8302,7 +6566,7 @@
 </p:sld>
 </file>
 
-<file path=ppt/slides/slide19.xml><?xml version="1.0" encoding="utf-8"?>
+<file path=ppt/slides/slide11.xml><?xml version="1.0" encoding="utf-8"?>
 <p:sld xmlns:a="http://schemas.openxmlformats.org/drawingml/2006/main" xmlns:r="http://schemas.openxmlformats.org/officeDocument/2006/relationships" xmlns:p="http://schemas.openxmlformats.org/presentationml/2006/main">
   <p:cSld>
     <p:spTree>
@@ -8372,25 +6636,6 @@
             </a:endParaRPr>
           </a:p>
           <a:p>
-            <a:pPr marL="457200">
-              <a:lnSpc>
-                <a:spcPct val="107000"/>
-              </a:lnSpc>
-              <a:spcAft>
-                <a:spcPts val="800"/>
-              </a:spcAft>
-            </a:pPr>
-            <a:r>
-              <a:rPr lang="en-IN" sz="2000" kern="0" dirty="0">
-                <a:effectLst/>
-                <a:latin typeface="Times New Roman" panose="02020603050405020304" pitchFamily="18" charset="0"/>
-                <a:ea typeface="Calibri" panose="020F0502020204030204" pitchFamily="34" charset="0"/>
-                <a:cs typeface="Times New Roman" panose="02020603050405020304" pitchFamily="18" charset="0"/>
-              </a:rPr>
-              <a:t>The mean absolute error is also calculated to assess the accuracy of the predictions.</a:t>
-            </a:r>
-          </a:p>
-          <a:p>
             <a:pPr marL="114300" indent="0">
               <a:lnSpc>
                 <a:spcPct val="107000"/>
@@ -8450,16 +6695,24 @@
             </a:endParaRPr>
           </a:p>
           <a:p>
-            <a:pPr marL="0" lvl="0" indent="0">
-              <a:lnSpc>
-                <a:spcPct val="115000"/>
-              </a:lnSpc>
-              <a:buNone/>
-            </a:pPr>
             <a:endParaRPr lang="en-IN" sz="2000" dirty="0">
               <a:latin typeface="Times New Roman" panose="02020603050405020304" pitchFamily="18" charset="0"/>
               <a:cs typeface="Times New Roman" panose="02020603050405020304" pitchFamily="18" charset="0"/>
             </a:endParaRPr>
+          </a:p>
+          <a:p>
+            <a:pPr>
+              <a:lnSpc>
+                <a:spcPct val="115000"/>
+              </a:lnSpc>
+            </a:pPr>
+            <a:r>
+              <a:rPr lang="en-US" sz="2000" dirty="0">
+                <a:latin typeface="Times New Roman" panose="02020603050405020304" pitchFamily="18" charset="0"/>
+                <a:cs typeface="Times New Roman" panose="02020603050405020304" pitchFamily="18" charset="0"/>
+              </a:rPr>
+              <a:t>Red line represents the predictions made by the regression model using the linear regression.</a:t>
+            </a:r>
           </a:p>
           <a:p>
             <a:pPr>
@@ -8528,7 +6781,7 @@
         </p:blipFill>
         <p:spPr>
           <a:xfrm>
-            <a:off x="1331261" y="1460331"/>
+            <a:off x="1344708" y="868660"/>
             <a:ext cx="7126940" cy="3573914"/>
           </a:xfrm>
           <a:prstGeom prst="rect">
@@ -8549,7 +6802,7 @@
 </p:sld>
 </file>
 
-<file path=ppt/slides/slide2.xml><?xml version="1.0" encoding="utf-8"?>
+<file path=ppt/slides/slide12.xml><?xml version="1.0" encoding="utf-8"?>
 <p:sld xmlns:a="http://schemas.openxmlformats.org/drawingml/2006/main" xmlns:r="http://schemas.openxmlformats.org/officeDocument/2006/relationships" xmlns:p="http://schemas.openxmlformats.org/presentationml/2006/main">
   <p:cSld>
     <p:spTree>
@@ -8571,170 +6824,6 @@
           <p:cNvPr id="2" name="Title 1">
             <a:extLst>
               <a:ext uri="{FF2B5EF4-FFF2-40B4-BE49-F238E27FC236}">
-                <a16:creationId xmlns:a16="http://schemas.microsoft.com/office/drawing/2014/main" id="{3FAB361E-9CB1-B86F-95C9-CE5C1D21DDCD}"/>
-              </a:ext>
-            </a:extLst>
-          </p:cNvPr>
-          <p:cNvSpPr>
-            <a:spLocks noGrp="1"/>
-          </p:cNvSpPr>
-          <p:nvPr>
-            <p:ph type="title"/>
-          </p:nvPr>
-        </p:nvSpPr>
-        <p:spPr>
-          <a:xfrm>
-            <a:off x="457200" y="609600"/>
-            <a:ext cx="8596668" cy="1320800"/>
-          </a:xfrm>
-        </p:spPr>
-        <p:txBody>
-          <a:bodyPr/>
-          <a:lstStyle/>
-          <a:p>
-            <a:r>
-              <a:rPr kumimoji="0" lang="en-US" altLang="en-US" sz="3600" b="0" i="0" u="none" strike="noStrike" cap="none" normalizeH="0" baseline="0" dirty="0">
-                <a:ln>
-                  <a:noFill/>
-                </a:ln>
-                <a:solidFill>
-                  <a:srgbClr val="92D050"/>
-                </a:solidFill>
-                <a:effectLst/>
-                <a:latin typeface="Times New Roman" panose="02020603050405020304" pitchFamily="18" charset="0"/>
-                <a:ea typeface="Times New Roman" panose="02020603050405020304" pitchFamily="18" charset="0"/>
-                <a:cs typeface="Times New Roman" panose="02020603050405020304" pitchFamily="18" charset="0"/>
-              </a:rPr>
-              <a:t>Table of Contents</a:t>
-            </a:r>
-            <a:br>
-              <a:rPr kumimoji="0" lang="en-US" altLang="en-US" sz="3600" b="0" i="0" u="none" strike="noStrike" cap="none" normalizeH="0" baseline="0" dirty="0">
-                <a:ln>
-                  <a:noFill/>
-                </a:ln>
-                <a:solidFill>
-                  <a:srgbClr val="92D050"/>
-                </a:solidFill>
-                <a:effectLst/>
-                <a:latin typeface="Times New Roman" panose="02020603050405020304" pitchFamily="18" charset="0"/>
-                <a:ea typeface="Times New Roman" panose="02020603050405020304" pitchFamily="18" charset="0"/>
-                <a:cs typeface="Times New Roman" panose="02020603050405020304" pitchFamily="18" charset="0"/>
-              </a:rPr>
-            </a:br>
-            <a:endParaRPr lang="en-IN" dirty="0"/>
-          </a:p>
-        </p:txBody>
-      </p:sp>
-      <p:sp>
-        <p:nvSpPr>
-          <p:cNvPr id="3" name="Content Placeholder 2">
-            <a:extLst>
-              <a:ext uri="{FF2B5EF4-FFF2-40B4-BE49-F238E27FC236}">
-                <a16:creationId xmlns:a16="http://schemas.microsoft.com/office/drawing/2014/main" id="{58DF6B57-27DD-7508-52D3-EA21B0274C1B}"/>
-              </a:ext>
-            </a:extLst>
-          </p:cNvPr>
-          <p:cNvSpPr>
-            <a:spLocks noGrp="1"/>
-          </p:cNvSpPr>
-          <p:nvPr>
-            <p:ph idx="1"/>
-          </p:nvPr>
-        </p:nvSpPr>
-        <p:spPr>
-          <a:xfrm>
-            <a:off x="457200" y="1694329"/>
-            <a:ext cx="8816802" cy="2796989"/>
-          </a:xfrm>
-        </p:spPr>
-        <p:txBody>
-          <a:bodyPr/>
-          <a:lstStyle/>
-          <a:p>
-            <a:r>
-              <a:rPr lang="en-US" sz="2400" dirty="0">
-                <a:latin typeface="Times New Roman" panose="02020603050405020304" pitchFamily="18" charset="0"/>
-                <a:cs typeface="Times New Roman" panose="02020603050405020304" pitchFamily="18" charset="0"/>
-              </a:rPr>
-              <a:t>Introduction</a:t>
-            </a:r>
-          </a:p>
-          <a:p>
-            <a:r>
-              <a:rPr lang="en-US" sz="2400" dirty="0">
-                <a:latin typeface="Times New Roman" panose="02020603050405020304" pitchFamily="18" charset="0"/>
-                <a:cs typeface="Times New Roman" panose="02020603050405020304" pitchFamily="18" charset="0"/>
-              </a:rPr>
-              <a:t>Methodology</a:t>
-            </a:r>
-          </a:p>
-          <a:p>
-            <a:r>
-              <a:rPr lang="en-US" sz="2400" dirty="0">
-                <a:latin typeface="Times New Roman" panose="02020603050405020304" pitchFamily="18" charset="0"/>
-                <a:cs typeface="Times New Roman" panose="02020603050405020304" pitchFamily="18" charset="0"/>
-              </a:rPr>
-              <a:t>Implementation</a:t>
-            </a:r>
-          </a:p>
-          <a:p>
-            <a:r>
-              <a:rPr lang="en-US" sz="2400" dirty="0">
-                <a:latin typeface="Times New Roman" panose="02020603050405020304" pitchFamily="18" charset="0"/>
-                <a:cs typeface="Times New Roman" panose="02020603050405020304" pitchFamily="18" charset="0"/>
-              </a:rPr>
-              <a:t>Results</a:t>
-            </a:r>
-          </a:p>
-          <a:p>
-            <a:r>
-              <a:rPr lang="en-US" sz="2400" dirty="0">
-                <a:latin typeface="Times New Roman" panose="02020603050405020304" pitchFamily="18" charset="0"/>
-                <a:cs typeface="Times New Roman" panose="02020603050405020304" pitchFamily="18" charset="0"/>
-              </a:rPr>
-              <a:t>Contribution</a:t>
-            </a:r>
-          </a:p>
-          <a:p>
-            <a:endParaRPr lang="en-IN" dirty="0"/>
-          </a:p>
-        </p:txBody>
-      </p:sp>
-    </p:spTree>
-    <p:extLst>
-      <p:ext uri="{BB962C8B-B14F-4D97-AF65-F5344CB8AC3E}">
-        <p14:creationId xmlns:p14="http://schemas.microsoft.com/office/powerpoint/2010/main" val="105258907"/>
-      </p:ext>
-    </p:extLst>
-  </p:cSld>
-  <p:clrMapOvr>
-    <a:masterClrMapping/>
-  </p:clrMapOvr>
-</p:sld>
-</file>
-
-<file path=ppt/slides/slide20.xml><?xml version="1.0" encoding="utf-8"?>
-<p:sld xmlns:a="http://schemas.openxmlformats.org/drawingml/2006/main" xmlns:r="http://schemas.openxmlformats.org/officeDocument/2006/relationships" xmlns:p="http://schemas.openxmlformats.org/presentationml/2006/main">
-  <p:cSld>
-    <p:spTree>
-      <p:nvGrpSpPr>
-        <p:cNvPr id="1" name=""/>
-        <p:cNvGrpSpPr/>
-        <p:nvPr/>
-      </p:nvGrpSpPr>
-      <p:grpSpPr>
-        <a:xfrm>
-          <a:off x="0" y="0"/>
-          <a:ext cx="0" cy="0"/>
-          <a:chOff x="0" y="0"/>
-          <a:chExt cx="0" cy="0"/>
-        </a:xfrm>
-      </p:grpSpPr>
-      <p:sp>
-        <p:nvSpPr>
-          <p:cNvPr id="2" name="Title 1">
-            <a:extLst>
-              <a:ext uri="{FF2B5EF4-FFF2-40B4-BE49-F238E27FC236}">
                 <a16:creationId xmlns:a16="http://schemas.microsoft.com/office/drawing/2014/main" id="{355173E4-1793-3183-4B2A-DBA96BFDF555}"/>
               </a:ext>
             </a:extLst>
@@ -8759,10 +6848,16 @@
           <a:lstStyle/>
           <a:p>
             <a:r>
-              <a:rPr lang="en-US" dirty="0"/>
+              <a:rPr lang="en-US" dirty="0">
+                <a:latin typeface="Times New Roman" panose="02020603050405020304" pitchFamily="18" charset="0"/>
+                <a:cs typeface="Times New Roman" panose="02020603050405020304" pitchFamily="18" charset="0"/>
+              </a:rPr>
               <a:t>Results/Outcomes</a:t>
             </a:r>
-            <a:endParaRPr lang="en-IN" dirty="0"/>
+            <a:endParaRPr lang="en-IN" dirty="0">
+              <a:latin typeface="Times New Roman" panose="02020603050405020304" pitchFamily="18" charset="0"/>
+              <a:cs typeface="Times New Roman" panose="02020603050405020304" pitchFamily="18" charset="0"/>
+            </a:endParaRPr>
           </a:p>
         </p:txBody>
       </p:sp>
@@ -8897,7 +6992,7 @@
 </p:sld>
 </file>
 
-<file path=ppt/slides/slide21.xml><?xml version="1.0" encoding="utf-8"?>
+<file path=ppt/slides/slide13.xml><?xml version="1.0" encoding="utf-8"?>
 <p:sld xmlns:a="http://schemas.openxmlformats.org/drawingml/2006/main" xmlns:r="http://schemas.openxmlformats.org/officeDocument/2006/relationships" xmlns:p="http://schemas.openxmlformats.org/presentationml/2006/main">
   <p:cSld>
     <p:spTree>
@@ -9035,7 +7130,7 @@
 </p:sld>
 </file>
 
-<file path=ppt/slides/slide22.xml><?xml version="1.0" encoding="utf-8"?>
+<file path=ppt/slides/slide14.xml><?xml version="1.0" encoding="utf-8"?>
 <p:sld xmlns:a="http://schemas.openxmlformats.org/drawingml/2006/main" xmlns:r="http://schemas.openxmlformats.org/officeDocument/2006/relationships" xmlns:p="http://schemas.openxmlformats.org/presentationml/2006/main">
   <p:cSld>
     <p:spTree>
@@ -9115,10 +7210,100 @@
           </a:xfrm>
         </p:spPr>
         <p:txBody>
-          <a:bodyPr/>
-          <a:lstStyle/>
-          <a:p>
-            <a:endParaRPr lang="en-IN" dirty="0"/>
+          <a:bodyPr>
+            <a:normAutofit/>
+          </a:bodyPr>
+          <a:lstStyle/>
+          <a:p>
+            <a:pPr marL="0" indent="0">
+              <a:buNone/>
+            </a:pPr>
+            <a:r>
+              <a:rPr lang="en-US" sz="2000" dirty="0">
+                <a:latin typeface="Times New Roman" panose="02020603050405020304" pitchFamily="18" charset="0"/>
+                <a:cs typeface="Times New Roman" panose="02020603050405020304" pitchFamily="18" charset="0"/>
+              </a:rPr>
+              <a:t>The tasks were divided and worked upon in a team as:</a:t>
+            </a:r>
+          </a:p>
+          <a:p>
+            <a:pPr marL="0" indent="0">
+              <a:buNone/>
+            </a:pPr>
+            <a:endParaRPr lang="en-IN" sz="2000" dirty="0">
+              <a:latin typeface="Times New Roman" panose="02020603050405020304" pitchFamily="18" charset="0"/>
+              <a:cs typeface="Times New Roman" panose="02020603050405020304" pitchFamily="18" charset="0"/>
+            </a:endParaRPr>
+          </a:p>
+          <a:p>
+            <a:pPr marL="0" indent="0">
+              <a:buNone/>
+            </a:pPr>
+            <a:r>
+              <a:rPr lang="en-IN" sz="2000" dirty="0">
+                <a:latin typeface="Times New Roman" panose="02020603050405020304" pitchFamily="18" charset="0"/>
+                <a:cs typeface="Times New Roman" panose="02020603050405020304" pitchFamily="18" charset="0"/>
+              </a:rPr>
+              <a:t>Person 1: Data collection and refinement to get the clean data for the further processing and analysing.</a:t>
+            </a:r>
+          </a:p>
+          <a:p>
+            <a:pPr marL="0" indent="0">
+              <a:buNone/>
+            </a:pPr>
+            <a:endParaRPr lang="en-IN" sz="2000" dirty="0">
+              <a:latin typeface="Times New Roman" panose="02020603050405020304" pitchFamily="18" charset="0"/>
+              <a:cs typeface="Times New Roman" panose="02020603050405020304" pitchFamily="18" charset="0"/>
+            </a:endParaRPr>
+          </a:p>
+          <a:p>
+            <a:pPr marL="0" indent="0">
+              <a:buNone/>
+            </a:pPr>
+            <a:r>
+              <a:rPr lang="en-IN" sz="2000" dirty="0">
+                <a:latin typeface="Times New Roman" panose="02020603050405020304" pitchFamily="18" charset="0"/>
+                <a:cs typeface="Times New Roman" panose="02020603050405020304" pitchFamily="18" charset="0"/>
+              </a:rPr>
+              <a:t>Person2: Geographical Clustering of the data points using the HDBSCAN algorithm and </a:t>
+            </a:r>
+            <a:r>
+              <a:rPr lang="en-IN" sz="2000" dirty="0" err="1">
+                <a:latin typeface="Times New Roman" panose="02020603050405020304" pitchFamily="18" charset="0"/>
+                <a:cs typeface="Times New Roman" panose="02020603050405020304" pitchFamily="18" charset="0"/>
+              </a:rPr>
+              <a:t>Basemap</a:t>
+            </a:r>
+            <a:endParaRPr lang="en-IN" sz="2000" dirty="0">
+              <a:latin typeface="Times New Roman" panose="02020603050405020304" pitchFamily="18" charset="0"/>
+              <a:cs typeface="Times New Roman" panose="02020603050405020304" pitchFamily="18" charset="0"/>
+            </a:endParaRPr>
+          </a:p>
+          <a:p>
+            <a:pPr marL="0" indent="0">
+              <a:buNone/>
+            </a:pPr>
+            <a:endParaRPr lang="en-IN" sz="2000" dirty="0">
+              <a:latin typeface="Times New Roman" panose="02020603050405020304" pitchFamily="18" charset="0"/>
+              <a:cs typeface="Times New Roman" panose="02020603050405020304" pitchFamily="18" charset="0"/>
+            </a:endParaRPr>
+          </a:p>
+          <a:p>
+            <a:pPr marL="0" indent="0">
+              <a:buNone/>
+            </a:pPr>
+            <a:r>
+              <a:rPr lang="en-IN" sz="2000" dirty="0">
+                <a:latin typeface="Times New Roman" panose="02020603050405020304" pitchFamily="18" charset="0"/>
+                <a:cs typeface="Times New Roman" panose="02020603050405020304" pitchFamily="18" charset="0"/>
+              </a:rPr>
+              <a:t>Person3: Trend Estimation and time series modelling using linear regression to analyse and predict the tourist trends for a particular region of the country</a:t>
+            </a:r>
+            <a:r>
+              <a:rPr lang="en-IN" sz="2000" dirty="0"/>
+              <a:t>.</a:t>
+            </a:r>
+            <a:endParaRPr lang="en-US" sz="2000" dirty="0"/>
           </a:p>
         </p:txBody>
       </p:sp>
@@ -9135,7 +7320,7 @@
 </p:sld>
 </file>
 
-<file path=ppt/slides/slide23.xml><?xml version="1.0" encoding="utf-8"?>
+<file path=ppt/slides/slide15.xml><?xml version="1.0" encoding="utf-8"?>
 <p:sld xmlns:a="http://schemas.openxmlformats.org/drawingml/2006/main" xmlns:r="http://schemas.openxmlformats.org/officeDocument/2006/relationships" xmlns:p="http://schemas.openxmlformats.org/presentationml/2006/main">
   <p:cSld>
     <p:spTree>
@@ -9157,6 +7342,299 @@
           <p:cNvPr id="2" name="Title 1">
             <a:extLst>
               <a:ext uri="{FF2B5EF4-FFF2-40B4-BE49-F238E27FC236}">
+                <a16:creationId xmlns:a16="http://schemas.microsoft.com/office/drawing/2014/main" id="{8BD5B61B-A096-9CE0-A797-2DDE59490765}"/>
+              </a:ext>
+            </a:extLst>
+          </p:cNvPr>
+          <p:cNvSpPr>
+            <a:spLocks noGrp="1"/>
+          </p:cNvSpPr>
+          <p:nvPr>
+            <p:ph type="title"/>
+          </p:nvPr>
+        </p:nvSpPr>
+        <p:spPr>
+          <a:xfrm>
+            <a:off x="462181" y="582706"/>
+            <a:ext cx="8596668" cy="533400"/>
+          </a:xfrm>
+        </p:spPr>
+        <p:txBody>
+          <a:bodyPr>
+            <a:normAutofit fontScale="90000"/>
+          </a:bodyPr>
+          <a:lstStyle/>
+          <a:p>
+            <a:r>
+              <a:rPr lang="en-IN" sz="4400" b="1" dirty="0">
+                <a:effectLst/>
+                <a:latin typeface="Times New Roman" panose="02020603050405020304" pitchFamily="18" charset="0"/>
+                <a:ea typeface="Calibri" panose="020F0502020204030204" pitchFamily="34" charset="0"/>
+              </a:rPr>
+              <a:t>References</a:t>
+            </a:r>
+            <a:endParaRPr lang="en-IN" dirty="0"/>
+          </a:p>
+        </p:txBody>
+      </p:sp>
+      <p:sp>
+        <p:nvSpPr>
+          <p:cNvPr id="3" name="Content Placeholder 2">
+            <a:extLst>
+              <a:ext uri="{FF2B5EF4-FFF2-40B4-BE49-F238E27FC236}">
+                <a16:creationId xmlns:a16="http://schemas.microsoft.com/office/drawing/2014/main" id="{5E85506E-6806-A180-EDC2-BE3203EE9774}"/>
+              </a:ext>
+            </a:extLst>
+          </p:cNvPr>
+          <p:cNvSpPr>
+            <a:spLocks noGrp="1"/>
+          </p:cNvSpPr>
+          <p:nvPr>
+            <p:ph idx="1"/>
+          </p:nvPr>
+        </p:nvSpPr>
+        <p:spPr>
+          <a:xfrm>
+            <a:off x="0" y="1394484"/>
+            <a:ext cx="12192000" cy="5234916"/>
+          </a:xfrm>
+        </p:spPr>
+        <p:txBody>
+          <a:bodyPr/>
+          <a:lstStyle/>
+          <a:p>
+            <a:pPr>
+              <a:lnSpc>
+                <a:spcPct val="107000"/>
+              </a:lnSpc>
+              <a:spcAft>
+                <a:spcPts val="600"/>
+              </a:spcAft>
+            </a:pPr>
+            <a:r>
+              <a:rPr lang="en-IN" sz="2000" kern="100" dirty="0">
+                <a:effectLst/>
+                <a:latin typeface="Times New Roman" panose="02020603050405020304" pitchFamily="18" charset="0"/>
+                <a:ea typeface="Calibri" panose="020F0502020204030204" pitchFamily="34" charset="0"/>
+                <a:cs typeface="Times New Roman" panose="02020603050405020304" pitchFamily="18" charset="0"/>
+              </a:rPr>
+              <a:t>The dataset utilized in this study is a subset of the YFCC dataset, which may be downloaded at "Yahoo </a:t>
+            </a:r>
+            <a:r>
+              <a:rPr lang="en-IN" sz="2000" kern="100" dirty="0" err="1">
+                <a:effectLst/>
+                <a:latin typeface="Times New Roman" panose="02020603050405020304" pitchFamily="18" charset="0"/>
+                <a:ea typeface="Calibri" panose="020F0502020204030204" pitchFamily="34" charset="0"/>
+                <a:cs typeface="Times New Roman" panose="02020603050405020304" pitchFamily="18" charset="0"/>
+              </a:rPr>
+              <a:t>Webscope</a:t>
+            </a:r>
+            <a:r>
+              <a:rPr lang="en-IN" sz="2000" kern="100" dirty="0">
+                <a:effectLst/>
+                <a:latin typeface="Times New Roman" panose="02020603050405020304" pitchFamily="18" charset="0"/>
+                <a:ea typeface="Calibri" panose="020F0502020204030204" pitchFamily="34" charset="0"/>
+                <a:cs typeface="Times New Roman" panose="02020603050405020304" pitchFamily="18" charset="0"/>
+              </a:rPr>
+              <a:t>" (</a:t>
+            </a:r>
+            <a:r>
+              <a:rPr lang="en-IN" sz="2000" u="sng" kern="100" dirty="0">
+                <a:solidFill>
+                  <a:srgbClr val="0000FF"/>
+                </a:solidFill>
+                <a:effectLst/>
+                <a:latin typeface="Times New Roman" panose="02020603050405020304" pitchFamily="18" charset="0"/>
+                <a:ea typeface="Calibri" panose="020F0502020204030204" pitchFamily="34" charset="0"/>
+                <a:cs typeface="Times New Roman" panose="02020603050405020304" pitchFamily="18" charset="0"/>
+                <a:hlinkClick r:id="rId2"/>
+              </a:rPr>
+              <a:t>http://webscope.sandbox.yahoo.com</a:t>
+            </a:r>
+            <a:r>
+              <a:rPr lang="en-IN" sz="2000" kern="100" dirty="0">
+                <a:effectLst/>
+                <a:latin typeface="Times New Roman" panose="02020603050405020304" pitchFamily="18" charset="0"/>
+                <a:ea typeface="Calibri" panose="020F0502020204030204" pitchFamily="34" charset="0"/>
+                <a:cs typeface="Times New Roman" panose="02020603050405020304" pitchFamily="18" charset="0"/>
+              </a:rPr>
+              <a:t>).</a:t>
+            </a:r>
+            <a:endParaRPr lang="en-IN" sz="2000" kern="100" dirty="0">
+              <a:latin typeface="Calibri" panose="020F0502020204030204" pitchFamily="34" charset="0"/>
+              <a:ea typeface="Calibri" panose="020F0502020204030204" pitchFamily="34" charset="0"/>
+              <a:cs typeface="Times New Roman" panose="02020603050405020304" pitchFamily="18" charset="0"/>
+            </a:endParaRPr>
+          </a:p>
+          <a:p>
+            <a:pPr>
+              <a:lnSpc>
+                <a:spcPct val="107000"/>
+              </a:lnSpc>
+              <a:spcAft>
+                <a:spcPts val="600"/>
+              </a:spcAft>
+            </a:pPr>
+            <a:r>
+              <a:rPr lang="en-IN" sz="2000" kern="100" dirty="0">
+                <a:effectLst/>
+                <a:latin typeface="Times New Roman" panose="02020603050405020304" pitchFamily="18" charset="0"/>
+                <a:ea typeface="Calibri" panose="020F0502020204030204" pitchFamily="34" charset="0"/>
+                <a:cs typeface="Times New Roman" panose="02020603050405020304" pitchFamily="18" charset="0"/>
+              </a:rPr>
+              <a:t>Research and usage of HDBSCAN algorithm (</a:t>
+            </a:r>
+            <a:r>
+              <a:rPr lang="en-IN" sz="2000" u="sng" kern="100" dirty="0">
+                <a:solidFill>
+                  <a:srgbClr val="0000FF"/>
+                </a:solidFill>
+                <a:effectLst/>
+                <a:latin typeface="Times New Roman" panose="02020603050405020304" pitchFamily="18" charset="0"/>
+                <a:ea typeface="Calibri" panose="020F0502020204030204" pitchFamily="34" charset="0"/>
+                <a:cs typeface="Times New Roman" panose="02020603050405020304" pitchFamily="18" charset="0"/>
+                <a:hlinkClick r:id="rId3"/>
+              </a:rPr>
+              <a:t>https://hdbscan.readthedocs.io/en/latest/index.html</a:t>
+            </a:r>
+            <a:r>
+              <a:rPr lang="en-IN" sz="2000" kern="100" dirty="0">
+                <a:solidFill>
+                  <a:srgbClr val="1F2328"/>
+                </a:solidFill>
+                <a:effectLst/>
+                <a:latin typeface="Times New Roman" panose="02020603050405020304" pitchFamily="18" charset="0"/>
+                <a:ea typeface="Calibri" panose="020F0502020204030204" pitchFamily="34" charset="0"/>
+                <a:cs typeface="Times New Roman" panose="02020603050405020304" pitchFamily="18" charset="0"/>
+              </a:rPr>
+              <a:t>)</a:t>
+            </a:r>
+            <a:endParaRPr lang="en-IN" sz="2000" kern="100" dirty="0">
+              <a:solidFill>
+                <a:srgbClr val="1F2328"/>
+              </a:solidFill>
+              <a:latin typeface="Calibri" panose="020F0502020204030204" pitchFamily="34" charset="0"/>
+              <a:ea typeface="Calibri" panose="020F0502020204030204" pitchFamily="34" charset="0"/>
+              <a:cs typeface="Times New Roman" panose="02020603050405020304" pitchFamily="18" charset="0"/>
+            </a:endParaRPr>
+          </a:p>
+          <a:p>
+            <a:pPr>
+              <a:lnSpc>
+                <a:spcPct val="107000"/>
+              </a:lnSpc>
+              <a:spcAft>
+                <a:spcPts val="600"/>
+              </a:spcAft>
+            </a:pPr>
+            <a:r>
+              <a:rPr lang="en-IN" sz="2000" kern="100" dirty="0">
+                <a:effectLst/>
+                <a:latin typeface="Times New Roman" panose="02020603050405020304" pitchFamily="18" charset="0"/>
+                <a:ea typeface="Calibri" panose="020F0502020204030204" pitchFamily="34" charset="0"/>
+                <a:cs typeface="Times New Roman" panose="02020603050405020304" pitchFamily="18" charset="0"/>
+              </a:rPr>
+              <a:t>Anaconda Python environment manager </a:t>
+            </a:r>
+            <a:r>
+              <a:rPr lang="en-IN" sz="2000" kern="100" dirty="0">
+                <a:solidFill>
+                  <a:srgbClr val="1F2328"/>
+                </a:solidFill>
+                <a:effectLst/>
+                <a:latin typeface="Times New Roman" panose="02020603050405020304" pitchFamily="18" charset="0"/>
+                <a:ea typeface="Calibri" panose="020F0502020204030204" pitchFamily="34" charset="0"/>
+                <a:cs typeface="Times New Roman" panose="02020603050405020304" pitchFamily="18" charset="0"/>
+              </a:rPr>
+              <a:t> </a:t>
+            </a:r>
+            <a:r>
+              <a:rPr lang="en-IN" sz="2000" u="sng" kern="100" dirty="0">
+                <a:solidFill>
+                  <a:srgbClr val="0000FF"/>
+                </a:solidFill>
+                <a:effectLst/>
+                <a:latin typeface="Times New Roman" panose="02020603050405020304" pitchFamily="18" charset="0"/>
+                <a:ea typeface="Calibri" panose="020F0502020204030204" pitchFamily="34" charset="0"/>
+                <a:cs typeface="Times New Roman" panose="02020603050405020304" pitchFamily="18" charset="0"/>
+                <a:hlinkClick r:id="rId4"/>
+              </a:rPr>
+              <a:t>https://conda.io/docs/user-guide/install/index.html</a:t>
+            </a:r>
+            <a:endParaRPr lang="en-IN" sz="2000" u="sng" kern="100" dirty="0">
+              <a:solidFill>
+                <a:srgbClr val="0000FF"/>
+              </a:solidFill>
+              <a:latin typeface="Calibri" panose="020F0502020204030204" pitchFamily="34" charset="0"/>
+              <a:ea typeface="Calibri" panose="020F0502020204030204" pitchFamily="34" charset="0"/>
+              <a:cs typeface="Times New Roman" panose="02020603050405020304" pitchFamily="18" charset="0"/>
+            </a:endParaRPr>
+          </a:p>
+          <a:p>
+            <a:pPr>
+              <a:lnSpc>
+                <a:spcPct val="107000"/>
+              </a:lnSpc>
+              <a:spcAft>
+                <a:spcPts val="600"/>
+              </a:spcAft>
+            </a:pPr>
+            <a:r>
+              <a:rPr lang="en-IN" sz="2000" kern="100" dirty="0">
+                <a:effectLst/>
+                <a:latin typeface="Times New Roman" panose="02020603050405020304" pitchFamily="18" charset="0"/>
+                <a:ea typeface="Calibri" panose="020F0502020204030204" pitchFamily="34" charset="0"/>
+                <a:cs typeface="Times New Roman" panose="02020603050405020304" pitchFamily="18" charset="0"/>
+              </a:rPr>
+              <a:t>Research and Usage of Matplotlib library https://matplotlib.org/</a:t>
+            </a:r>
+            <a:endParaRPr lang="en-IN" sz="2000" kern="100" dirty="0">
+              <a:effectLst/>
+              <a:latin typeface="Calibri" panose="020F0502020204030204" pitchFamily="34" charset="0"/>
+              <a:ea typeface="Calibri" panose="020F0502020204030204" pitchFamily="34" charset="0"/>
+              <a:cs typeface="Times New Roman" panose="02020603050405020304" pitchFamily="18" charset="0"/>
+            </a:endParaRPr>
+          </a:p>
+          <a:p>
+            <a:endParaRPr lang="en-IN" dirty="0"/>
+          </a:p>
+        </p:txBody>
+      </p:sp>
+    </p:spTree>
+    <p:extLst>
+      <p:ext uri="{BB962C8B-B14F-4D97-AF65-F5344CB8AC3E}">
+        <p14:creationId xmlns:p14="http://schemas.microsoft.com/office/powerpoint/2010/main" val="2190595154"/>
+      </p:ext>
+    </p:extLst>
+  </p:cSld>
+  <p:clrMapOvr>
+    <a:masterClrMapping/>
+  </p:clrMapOvr>
+</p:sld>
+</file>
+
+<file path=ppt/slides/slide16.xml><?xml version="1.0" encoding="utf-8"?>
+<p:sld xmlns:a="http://schemas.openxmlformats.org/drawingml/2006/main" xmlns:r="http://schemas.openxmlformats.org/officeDocument/2006/relationships" xmlns:p="http://schemas.openxmlformats.org/presentationml/2006/main">
+  <p:cSld>
+    <p:spTree>
+      <p:nvGrpSpPr>
+        <p:cNvPr id="1" name=""/>
+        <p:cNvGrpSpPr/>
+        <p:nvPr/>
+      </p:nvGrpSpPr>
+      <p:grpSpPr>
+        <a:xfrm>
+          <a:off x="0" y="0"/>
+          <a:ext cx="0" cy="0"/>
+          <a:chOff x="0" y="0"/>
+          <a:chExt cx="0" cy="0"/>
+        </a:xfrm>
+      </p:grpSpPr>
+      <p:sp>
+        <p:nvSpPr>
+          <p:cNvPr id="2" name="Title 1">
+            <a:extLst>
+              <a:ext uri="{FF2B5EF4-FFF2-40B4-BE49-F238E27FC236}">
                 <a16:creationId xmlns:a16="http://schemas.microsoft.com/office/drawing/2014/main" id="{A1877584-CA8F-5D0B-AA03-135AD2A1FAA1}"/>
               </a:ext>
             </a:extLst>
@@ -9192,6 +7670,161 @@
     <p:extLst>
       <p:ext uri="{BB962C8B-B14F-4D97-AF65-F5344CB8AC3E}">
         <p14:creationId xmlns:p14="http://schemas.microsoft.com/office/powerpoint/2010/main" val="627722662"/>
+      </p:ext>
+    </p:extLst>
+  </p:cSld>
+  <p:clrMapOvr>
+    <a:masterClrMapping/>
+  </p:clrMapOvr>
+</p:sld>
+</file>
+
+<file path=ppt/slides/slide2.xml><?xml version="1.0" encoding="utf-8"?>
+<p:sld xmlns:a="http://schemas.openxmlformats.org/drawingml/2006/main" xmlns:r="http://schemas.openxmlformats.org/officeDocument/2006/relationships" xmlns:p="http://schemas.openxmlformats.org/presentationml/2006/main">
+  <p:cSld>
+    <p:spTree>
+      <p:nvGrpSpPr>
+        <p:cNvPr id="1" name=""/>
+        <p:cNvGrpSpPr/>
+        <p:nvPr/>
+      </p:nvGrpSpPr>
+      <p:grpSpPr>
+        <a:xfrm>
+          <a:off x="0" y="0"/>
+          <a:ext cx="0" cy="0"/>
+          <a:chOff x="0" y="0"/>
+          <a:chExt cx="0" cy="0"/>
+        </a:xfrm>
+      </p:grpSpPr>
+      <p:sp>
+        <p:nvSpPr>
+          <p:cNvPr id="2" name="Title 1">
+            <a:extLst>
+              <a:ext uri="{FF2B5EF4-FFF2-40B4-BE49-F238E27FC236}">
+                <a16:creationId xmlns:a16="http://schemas.microsoft.com/office/drawing/2014/main" id="{3FAB361E-9CB1-B86F-95C9-CE5C1D21DDCD}"/>
+              </a:ext>
+            </a:extLst>
+          </p:cNvPr>
+          <p:cNvSpPr>
+            <a:spLocks noGrp="1"/>
+          </p:cNvSpPr>
+          <p:nvPr>
+            <p:ph type="title"/>
+          </p:nvPr>
+        </p:nvSpPr>
+        <p:spPr>
+          <a:xfrm>
+            <a:off x="457200" y="609600"/>
+            <a:ext cx="8596668" cy="1320800"/>
+          </a:xfrm>
+        </p:spPr>
+        <p:txBody>
+          <a:bodyPr/>
+          <a:lstStyle/>
+          <a:p>
+            <a:r>
+              <a:rPr kumimoji="0" lang="en-US" altLang="en-US" sz="3600" b="0" i="0" u="none" strike="noStrike" cap="none" normalizeH="0" baseline="0" dirty="0">
+                <a:ln>
+                  <a:noFill/>
+                </a:ln>
+                <a:solidFill>
+                  <a:srgbClr val="92D050"/>
+                </a:solidFill>
+                <a:effectLst/>
+                <a:latin typeface="Times New Roman" panose="02020603050405020304" pitchFamily="18" charset="0"/>
+                <a:ea typeface="Times New Roman" panose="02020603050405020304" pitchFamily="18" charset="0"/>
+                <a:cs typeface="Times New Roman" panose="02020603050405020304" pitchFamily="18" charset="0"/>
+              </a:rPr>
+              <a:t>Table of Contents</a:t>
+            </a:r>
+            <a:br>
+              <a:rPr kumimoji="0" lang="en-US" altLang="en-US" sz="3600" b="0" i="0" u="none" strike="noStrike" cap="none" normalizeH="0" baseline="0" dirty="0">
+                <a:ln>
+                  <a:noFill/>
+                </a:ln>
+                <a:solidFill>
+                  <a:srgbClr val="92D050"/>
+                </a:solidFill>
+                <a:effectLst/>
+                <a:latin typeface="Times New Roman" panose="02020603050405020304" pitchFamily="18" charset="0"/>
+                <a:ea typeface="Times New Roman" panose="02020603050405020304" pitchFamily="18" charset="0"/>
+                <a:cs typeface="Times New Roman" panose="02020603050405020304" pitchFamily="18" charset="0"/>
+              </a:rPr>
+            </a:br>
+            <a:endParaRPr lang="en-IN" dirty="0"/>
+          </a:p>
+        </p:txBody>
+      </p:sp>
+      <p:sp>
+        <p:nvSpPr>
+          <p:cNvPr id="3" name="Content Placeholder 2">
+            <a:extLst>
+              <a:ext uri="{FF2B5EF4-FFF2-40B4-BE49-F238E27FC236}">
+                <a16:creationId xmlns:a16="http://schemas.microsoft.com/office/drawing/2014/main" id="{58DF6B57-27DD-7508-52D3-EA21B0274C1B}"/>
+              </a:ext>
+            </a:extLst>
+          </p:cNvPr>
+          <p:cNvSpPr>
+            <a:spLocks noGrp="1"/>
+          </p:cNvSpPr>
+          <p:nvPr>
+            <p:ph idx="1"/>
+          </p:nvPr>
+        </p:nvSpPr>
+        <p:spPr>
+          <a:xfrm>
+            <a:off x="457200" y="1694329"/>
+            <a:ext cx="8816802" cy="2796989"/>
+          </a:xfrm>
+        </p:spPr>
+        <p:txBody>
+          <a:bodyPr/>
+          <a:lstStyle/>
+          <a:p>
+            <a:r>
+              <a:rPr lang="en-US" sz="2400" dirty="0">
+                <a:latin typeface="Times New Roman" panose="02020603050405020304" pitchFamily="18" charset="0"/>
+                <a:cs typeface="Times New Roman" panose="02020603050405020304" pitchFamily="18" charset="0"/>
+              </a:rPr>
+              <a:t>Introduction</a:t>
+            </a:r>
+          </a:p>
+          <a:p>
+            <a:r>
+              <a:rPr lang="en-US" sz="2400" dirty="0">
+                <a:latin typeface="Times New Roman" panose="02020603050405020304" pitchFamily="18" charset="0"/>
+                <a:cs typeface="Times New Roman" panose="02020603050405020304" pitchFamily="18" charset="0"/>
+              </a:rPr>
+              <a:t>Methodology</a:t>
+            </a:r>
+          </a:p>
+          <a:p>
+            <a:r>
+              <a:rPr lang="en-US" sz="2400" dirty="0">
+                <a:latin typeface="Times New Roman" panose="02020603050405020304" pitchFamily="18" charset="0"/>
+                <a:cs typeface="Times New Roman" panose="02020603050405020304" pitchFamily="18" charset="0"/>
+              </a:rPr>
+              <a:t>Results/Outcomes</a:t>
+            </a:r>
+          </a:p>
+          <a:p>
+            <a:r>
+              <a:rPr lang="en-US" sz="2400" dirty="0">
+                <a:latin typeface="Times New Roman" panose="02020603050405020304" pitchFamily="18" charset="0"/>
+                <a:cs typeface="Times New Roman" panose="02020603050405020304" pitchFamily="18" charset="0"/>
+              </a:rPr>
+              <a:t>Contribution</a:t>
+            </a:r>
+          </a:p>
+          <a:p>
+            <a:endParaRPr lang="en-IN" dirty="0"/>
+          </a:p>
+        </p:txBody>
+      </p:sp>
+    </p:spTree>
+    <p:extLst>
+      <p:ext uri="{BB962C8B-B14F-4D97-AF65-F5344CB8AC3E}">
+        <p14:creationId xmlns:p14="http://schemas.microsoft.com/office/powerpoint/2010/main" val="105258907"/>
       </p:ext>
     </p:extLst>
   </p:cSld>
@@ -9276,13 +7909,13 @@
         </p:nvSpPr>
         <p:spPr>
           <a:xfrm>
-            <a:off x="0" y="1479176"/>
+            <a:off x="0" y="1398494"/>
             <a:ext cx="12192000" cy="4289612"/>
           </a:xfrm>
         </p:spPr>
         <p:txBody>
           <a:bodyPr>
-            <a:normAutofit lnSpcReduction="10000"/>
+            <a:normAutofit/>
           </a:bodyPr>
           <a:lstStyle/>
           <a:p>
@@ -9325,7 +7958,7 @@
                 <a:latin typeface="Times New Roman" panose="02020603050405020304" pitchFamily="18" charset="0"/>
                 <a:cs typeface="Times New Roman" panose="02020603050405020304" pitchFamily="18" charset="0"/>
               </a:rPr>
-              <a:t>Effective tourism planning, resource allocation, and marketing strategies depend on an understanding of visitor behavior patterns and the ability to anticipate future trends in visitor arrivals. This project's goal is to evaluate a dataset of visitor arrivals in order to pinpoint important trends, seasonal patterns, and variables affecting visitor behavior. </a:t>
+              <a:t>The project's objectives are to analyze the tourist behavior, to identify tourists’ interests and most visited locations and accordingly, and to predict future tourism demands by using the regression models that can precisely forecast visitor arrivals based on historical data. </a:t>
             </a:r>
           </a:p>
           <a:p>
@@ -9343,8 +7976,10 @@
                 <a:latin typeface="Times New Roman" panose="02020603050405020304" pitchFamily="18" charset="0"/>
                 <a:cs typeface="Times New Roman" panose="02020603050405020304" pitchFamily="18" charset="0"/>
               </a:rPr>
-              <a:t>The project's objectives are to analyze the tourist behavior, to identify tourists’ interests and most visited locations and accordingly, and to predict future tourism demands by using the regression models that can precisely forecast visitor arrivals based on historical data. </a:t>
-            </a:r>
+              <a:t>This project's goal is to evaluate a dataset of visitor arrivals in order to pinpoint important trends, seasonal patterns, and variables affecting visitor behavior. </a:t>
+            </a:r>
+          </a:p>
+          <a:p>
             <a:endParaRPr lang="en-IN" sz="2000" dirty="0">
               <a:latin typeface="Times New Roman" panose="02020603050405020304" pitchFamily="18" charset="0"/>
               <a:cs typeface="Times New Roman" panose="02020603050405020304" pitchFamily="18" charset="0"/>
@@ -9446,7 +8081,7 @@
         </p:spPr>
         <p:txBody>
           <a:bodyPr>
-            <a:normAutofit lnSpcReduction="10000"/>
+            <a:normAutofit/>
           </a:bodyPr>
           <a:lstStyle/>
           <a:p>
@@ -9500,43 +8135,7 @@
                 <a:ea typeface="Calibri" panose="020F0502020204030204" pitchFamily="34" charset="0"/>
                 <a:cs typeface="Times New Roman" panose="02020603050405020304" pitchFamily="18" charset="0"/>
               </a:rPr>
-              <a:t>The Tourist-activity-Analysis project is an in-depth study that uses big data analytics to explore and identify patterns and trends in tourist activity. </a:t>
-            </a:r>
-          </a:p>
-          <a:p>
-            <a:pPr marL="0" indent="0">
-              <a:lnSpc>
-                <a:spcPct val="107000"/>
-              </a:lnSpc>
-              <a:spcAft>
-                <a:spcPts val="800"/>
-              </a:spcAft>
-              <a:buNone/>
-            </a:pPr>
-            <a:endParaRPr lang="en-IN" sz="2000" kern="100" dirty="0">
-              <a:effectLst/>
-              <a:latin typeface="Times New Roman" panose="02020603050405020304" pitchFamily="18" charset="0"/>
-              <a:ea typeface="Calibri" panose="020F0502020204030204" pitchFamily="34" charset="0"/>
-              <a:cs typeface="Times New Roman" panose="02020603050405020304" pitchFamily="18" charset="0"/>
-            </a:endParaRPr>
-          </a:p>
-          <a:p>
-            <a:pPr>
-              <a:lnSpc>
-                <a:spcPct val="107000"/>
-              </a:lnSpc>
-              <a:spcAft>
-                <a:spcPts val="800"/>
-              </a:spcAft>
-            </a:pPr>
-            <a:r>
-              <a:rPr lang="en-IN" sz="2000" kern="100" dirty="0">
-                <a:effectLst/>
-                <a:latin typeface="Times New Roman" panose="02020603050405020304" pitchFamily="18" charset="0"/>
-                <a:ea typeface="Calibri" panose="020F0502020204030204" pitchFamily="34" charset="0"/>
-                <a:cs typeface="Times New Roman" panose="02020603050405020304" pitchFamily="18" charset="0"/>
-              </a:rPr>
-              <a:t>This project uses big data analytics to evaluate vast amounts of data from many sources, including social media platforms, online travel firms, booking systems, and tourist surveys. </a:t>
+              <a:t> This project uses big data analytics to evaluate vast amounts of data from many sources, including social media platforms, online travel firms, booking systems, and tourist surveys. </a:t>
             </a:r>
           </a:p>
           <a:p>
@@ -9674,7 +8273,7 @@
           <p:cNvPr id="2" name="Title 1">
             <a:extLst>
               <a:ext uri="{FF2B5EF4-FFF2-40B4-BE49-F238E27FC236}">
-                <a16:creationId xmlns:a16="http://schemas.microsoft.com/office/drawing/2014/main" id="{45A28B92-FFBF-6C85-9081-32575E77E96A}"/>
+                <a16:creationId xmlns:a16="http://schemas.microsoft.com/office/drawing/2014/main" id="{0A688A80-BAE3-C513-2478-C1E8007EC91D}"/>
               </a:ext>
             </a:extLst>
           </p:cNvPr>
@@ -9687,8 +8286,48 @@
         </p:nvSpPr>
         <p:spPr>
           <a:xfrm>
-            <a:off x="349624" y="609600"/>
-            <a:ext cx="9144000" cy="802341"/>
+            <a:off x="174811" y="609600"/>
+            <a:ext cx="8964720" cy="694765"/>
+          </a:xfrm>
+        </p:spPr>
+        <p:txBody>
+          <a:bodyPr/>
+          <a:lstStyle/>
+          <a:p>
+            <a:r>
+              <a:rPr lang="en-US" dirty="0">
+                <a:latin typeface="Times New Roman" panose="02020603050405020304" pitchFamily="18" charset="0"/>
+                <a:cs typeface="Times New Roman" panose="02020603050405020304" pitchFamily="18" charset="0"/>
+              </a:rPr>
+              <a:t> Methodology</a:t>
+            </a:r>
+            <a:endParaRPr lang="en-IN" dirty="0">
+              <a:latin typeface="Times New Roman" panose="02020603050405020304" pitchFamily="18" charset="0"/>
+              <a:cs typeface="Times New Roman" panose="02020603050405020304" pitchFamily="18" charset="0"/>
+            </a:endParaRPr>
+          </a:p>
+        </p:txBody>
+      </p:sp>
+      <p:sp>
+        <p:nvSpPr>
+          <p:cNvPr id="3" name="Content Placeholder 2">
+            <a:extLst>
+              <a:ext uri="{FF2B5EF4-FFF2-40B4-BE49-F238E27FC236}">
+                <a16:creationId xmlns:a16="http://schemas.microsoft.com/office/drawing/2014/main" id="{F30A7B0F-9779-56F8-400C-F8FACE0FB82C}"/>
+              </a:ext>
+            </a:extLst>
+          </p:cNvPr>
+          <p:cNvSpPr>
+            <a:spLocks noGrp="1"/>
+          </p:cNvSpPr>
+          <p:nvPr>
+            <p:ph idx="1"/>
+          </p:nvPr>
+        </p:nvSpPr>
+        <p:spPr>
+          <a:xfrm>
+            <a:off x="0" y="1452282"/>
+            <a:ext cx="12192000" cy="5674659"/>
           </a:xfrm>
         </p:spPr>
         <p:txBody>
@@ -9697,67 +8336,246 @@
           </a:bodyPr>
           <a:lstStyle/>
           <a:p>
-            <a:r>
-              <a:rPr lang="en-US" dirty="0"/>
-              <a:t> Features and solutions offered by Big data</a:t>
-            </a:r>
+            <a:pPr>
+              <a:lnSpc>
+                <a:spcPct val="107000"/>
+              </a:lnSpc>
+              <a:spcAft>
+                <a:spcPts val="800"/>
+              </a:spcAft>
+            </a:pPr>
+            <a:r>
+              <a:rPr lang="en-IN" sz="2000" b="1" kern="100" dirty="0">
+                <a:effectLst/>
+                <a:latin typeface="Times New Roman" panose="02020603050405020304" pitchFamily="18" charset="0"/>
+                <a:ea typeface="Calibri" panose="020F0502020204030204" pitchFamily="34" charset="0"/>
+                <a:cs typeface="Times New Roman" panose="02020603050405020304" pitchFamily="18" charset="0"/>
+              </a:rPr>
+              <a:t>Data Collection</a:t>
+            </a:r>
+            <a:r>
+              <a:rPr lang="en-IN" sz="2000" b="1" kern="100" dirty="0">
+                <a:latin typeface="Times New Roman" panose="02020603050405020304" pitchFamily="18" charset="0"/>
+                <a:ea typeface="Calibri" panose="020F0502020204030204" pitchFamily="34" charset="0"/>
+                <a:cs typeface="Times New Roman" panose="02020603050405020304" pitchFamily="18" charset="0"/>
+              </a:rPr>
+              <a:t>:</a:t>
+            </a:r>
+            <a:r>
+              <a:rPr lang="en-IN" sz="2000" kern="100" dirty="0">
+                <a:effectLst/>
+                <a:latin typeface="Times New Roman" panose="02020603050405020304" pitchFamily="18" charset="0"/>
+                <a:ea typeface="Calibri" panose="020F0502020204030204" pitchFamily="34" charset="0"/>
+                <a:cs typeface="Times New Roman" panose="02020603050405020304" pitchFamily="18" charset="0"/>
+              </a:rPr>
+              <a:t> The first stage is to collect data consisting tourists region of different countries.</a:t>
+            </a:r>
+          </a:p>
+          <a:p>
+            <a:pPr marL="0" indent="0">
+              <a:lnSpc>
+                <a:spcPct val="107000"/>
+              </a:lnSpc>
+              <a:buNone/>
+            </a:pPr>
+            <a:endParaRPr lang="en-IN" sz="2000" kern="100" dirty="0">
+              <a:effectLst/>
+              <a:latin typeface="Times New Roman" panose="02020603050405020304" pitchFamily="18" charset="0"/>
+              <a:ea typeface="Calibri" panose="020F0502020204030204" pitchFamily="34" charset="0"/>
+              <a:cs typeface="Times New Roman" panose="02020603050405020304" pitchFamily="18" charset="0"/>
+            </a:endParaRPr>
+          </a:p>
+          <a:p>
+            <a:pPr>
+              <a:lnSpc>
+                <a:spcPct val="107000"/>
+              </a:lnSpc>
+            </a:pPr>
+            <a:r>
+              <a:rPr lang="en-IN" sz="2000" b="1" kern="100" dirty="0">
+                <a:effectLst/>
+                <a:latin typeface="Times New Roman" panose="02020603050405020304" pitchFamily="18" charset="0"/>
+                <a:ea typeface="Calibri" panose="020F0502020204030204" pitchFamily="34" charset="0"/>
+                <a:cs typeface="Times New Roman" panose="02020603050405020304" pitchFamily="18" charset="0"/>
+              </a:rPr>
+              <a:t>Refinement of the dataset:</a:t>
+            </a:r>
+            <a:r>
+              <a:rPr lang="en-IN" sz="2400" b="1" kern="100" dirty="0">
+                <a:latin typeface="Times New Roman" panose="02020603050405020304" pitchFamily="18" charset="0"/>
+                <a:ea typeface="Calibri" panose="020F0502020204030204" pitchFamily="34" charset="0"/>
+                <a:cs typeface="Times New Roman" panose="02020603050405020304" pitchFamily="18" charset="0"/>
+              </a:rPr>
+              <a:t> </a:t>
+            </a:r>
+            <a:r>
+              <a:rPr lang="en-IN" sz="2000" kern="100" dirty="0">
+                <a:effectLst/>
+                <a:latin typeface="Times New Roman" panose="02020603050405020304" pitchFamily="18" charset="0"/>
+                <a:ea typeface="Calibri" panose="020F0502020204030204" pitchFamily="34" charset="0"/>
+                <a:cs typeface="Times New Roman" panose="02020603050405020304" pitchFamily="18" charset="0"/>
+              </a:rPr>
+              <a:t>Once </a:t>
+            </a:r>
+            <a:r>
+              <a:rPr lang="en-IN" sz="2000" kern="100" dirty="0">
+                <a:latin typeface="Times New Roman" panose="02020603050405020304" pitchFamily="18" charset="0"/>
+                <a:ea typeface="Calibri" panose="020F0502020204030204" pitchFamily="34" charset="0"/>
+                <a:cs typeface="Times New Roman" panose="02020603050405020304" pitchFamily="18" charset="0"/>
+              </a:rPr>
+              <a:t>acquired, data is used to set geographical coordinates in order to extract data from a certain region which can be used for further processing or analysing the </a:t>
+            </a:r>
+            <a:r>
+              <a:rPr lang="en-IN" sz="2000" kern="100" dirty="0">
+                <a:effectLst/>
+                <a:latin typeface="Times New Roman" panose="02020603050405020304" pitchFamily="18" charset="0"/>
+                <a:ea typeface="Calibri" panose="020F0502020204030204" pitchFamily="34" charset="0"/>
+                <a:cs typeface="Times New Roman" panose="02020603050405020304" pitchFamily="18" charset="0"/>
+              </a:rPr>
+              <a:t>trends and for estimation.</a:t>
+            </a:r>
+          </a:p>
+          <a:p>
+            <a:pPr marL="0" indent="0">
+              <a:lnSpc>
+                <a:spcPct val="107000"/>
+              </a:lnSpc>
+              <a:buNone/>
+            </a:pPr>
+            <a:endParaRPr lang="en-IN" sz="2400" kern="100" dirty="0">
+              <a:latin typeface="Times New Roman" panose="02020603050405020304" pitchFamily="18" charset="0"/>
+              <a:ea typeface="Calibri" panose="020F0502020204030204" pitchFamily="34" charset="0"/>
+              <a:cs typeface="Times New Roman" panose="02020603050405020304" pitchFamily="18" charset="0"/>
+            </a:endParaRPr>
+          </a:p>
+          <a:p>
+            <a:pPr>
+              <a:lnSpc>
+                <a:spcPct val="107000"/>
+              </a:lnSpc>
+            </a:pPr>
+            <a:r>
+              <a:rPr lang="en-IN" sz="2000" b="1" kern="100" dirty="0">
+                <a:effectLst/>
+                <a:latin typeface="Times New Roman" panose="02020603050405020304" pitchFamily="18" charset="0"/>
+                <a:ea typeface="Calibri" panose="020F0502020204030204" pitchFamily="34" charset="0"/>
+                <a:cs typeface="Times New Roman" panose="02020603050405020304" pitchFamily="18" charset="0"/>
+              </a:rPr>
+              <a:t>Processing of textual metadata: </a:t>
+            </a:r>
+            <a:r>
+              <a:rPr lang="en-IN" sz="2000" kern="100" dirty="0">
+                <a:effectLst/>
+                <a:latin typeface="Times New Roman" panose="02020603050405020304" pitchFamily="18" charset="0"/>
+                <a:ea typeface="Calibri" panose="020F0502020204030204" pitchFamily="34" charset="0"/>
+                <a:cs typeface="Times New Roman" panose="02020603050405020304" pitchFamily="18" charset="0"/>
+              </a:rPr>
+              <a:t>The input data is used to remove extraneous characters and stop words, as well as to stem words into their root form. The output data is then used to generate the geo clustering data</a:t>
+            </a:r>
+            <a:r>
+              <a:rPr lang="en-IN" sz="1800" kern="100" dirty="0">
+                <a:effectLst/>
+                <a:latin typeface="Times New Roman" panose="02020603050405020304" pitchFamily="18" charset="0"/>
+                <a:ea typeface="Calibri" panose="020F0502020204030204" pitchFamily="34" charset="0"/>
+                <a:cs typeface="Times New Roman" panose="02020603050405020304" pitchFamily="18" charset="0"/>
+              </a:rPr>
+              <a:t>.</a:t>
+            </a:r>
+          </a:p>
+          <a:p>
+            <a:pPr marL="0" indent="0">
+              <a:lnSpc>
+                <a:spcPct val="107000"/>
+              </a:lnSpc>
+              <a:buNone/>
+            </a:pPr>
+            <a:endParaRPr lang="en-IN" sz="1800" kern="100" dirty="0">
+              <a:effectLst/>
+              <a:latin typeface="Times New Roman" panose="02020603050405020304" pitchFamily="18" charset="0"/>
+              <a:ea typeface="Calibri" panose="020F0502020204030204" pitchFamily="34" charset="0"/>
+              <a:cs typeface="Times New Roman" panose="02020603050405020304" pitchFamily="18" charset="0"/>
+            </a:endParaRPr>
+          </a:p>
+          <a:p>
+            <a:pPr>
+              <a:lnSpc>
+                <a:spcPct val="107000"/>
+              </a:lnSpc>
+            </a:pPr>
+            <a:r>
+              <a:rPr lang="en-IN" sz="2000" b="1" kern="100" dirty="0">
+                <a:effectLst/>
+                <a:latin typeface="Times New Roman" panose="02020603050405020304" pitchFamily="18" charset="0"/>
+                <a:ea typeface="Calibri" panose="020F0502020204030204" pitchFamily="34" charset="0"/>
+                <a:cs typeface="Times New Roman" panose="02020603050405020304" pitchFamily="18" charset="0"/>
+              </a:rPr>
+              <a:t>Clustering of geographical data</a:t>
+            </a:r>
+            <a:r>
+              <a:rPr lang="en-IN" sz="2000" b="1" kern="100" dirty="0">
+                <a:latin typeface="Times New Roman" panose="02020603050405020304" pitchFamily="18" charset="0"/>
+                <a:ea typeface="Calibri" panose="020F0502020204030204" pitchFamily="34" charset="0"/>
+                <a:cs typeface="Times New Roman" panose="02020603050405020304" pitchFamily="18" charset="0"/>
+              </a:rPr>
+              <a:t>: </a:t>
+            </a:r>
+            <a:r>
+              <a:rPr lang="en-IN" sz="2000" dirty="0">
+                <a:effectLst/>
+                <a:latin typeface="Times New Roman" panose="02020603050405020304" pitchFamily="18" charset="0"/>
+                <a:ea typeface="Calibri" panose="020F0502020204030204" pitchFamily="34" charset="0"/>
+                <a:cs typeface="Times New Roman" panose="02020603050405020304" pitchFamily="18" charset="0"/>
+              </a:rPr>
+              <a:t>The output data generated </a:t>
+            </a:r>
+            <a:r>
+              <a:rPr lang="en-IN" sz="2000" dirty="0">
+                <a:latin typeface="Times New Roman" panose="02020603050405020304" pitchFamily="18" charset="0"/>
+                <a:ea typeface="Calibri" panose="020F0502020204030204" pitchFamily="34" charset="0"/>
+                <a:cs typeface="Times New Roman" panose="02020603050405020304" pitchFamily="18" charset="0"/>
+              </a:rPr>
+              <a:t>is </a:t>
+            </a:r>
+            <a:r>
+              <a:rPr lang="en-US" sz="2000" b="0" i="0" dirty="0">
+                <a:solidFill>
+                  <a:srgbClr val="374151"/>
+                </a:solidFill>
+                <a:effectLst/>
+                <a:latin typeface="Times New Roman" panose="02020603050405020304" pitchFamily="18" charset="0"/>
+                <a:cs typeface="Times New Roman" panose="02020603050405020304" pitchFamily="18" charset="0"/>
+              </a:rPr>
+              <a:t>used to group similar data points based on their geographic attributes using the HDBSCAN algorithm.</a:t>
+            </a:r>
+            <a:endParaRPr lang="en-IN" sz="2000" dirty="0">
+              <a:effectLst/>
+              <a:latin typeface="Times New Roman" panose="02020603050405020304" pitchFamily="18" charset="0"/>
+              <a:ea typeface="Calibri" panose="020F0502020204030204" pitchFamily="34" charset="0"/>
+              <a:cs typeface="Times New Roman" panose="02020603050405020304" pitchFamily="18" charset="0"/>
+            </a:endParaRPr>
+          </a:p>
+          <a:p>
+            <a:pPr>
+              <a:lnSpc>
+                <a:spcPct val="107000"/>
+              </a:lnSpc>
+            </a:pPr>
+            <a:endParaRPr lang="en-IN" sz="2000" kern="100" dirty="0">
+              <a:effectLst/>
+              <a:latin typeface="Times New Roman" panose="02020603050405020304" pitchFamily="18" charset="0"/>
+              <a:ea typeface="Calibri" panose="020F0502020204030204" pitchFamily="34" charset="0"/>
+              <a:cs typeface="Times New Roman" panose="02020603050405020304" pitchFamily="18" charset="0"/>
+            </a:endParaRPr>
+          </a:p>
+          <a:p>
             <a:endParaRPr lang="en-IN" dirty="0"/>
           </a:p>
         </p:txBody>
       </p:sp>
-      <p:pic>
-        <p:nvPicPr>
-          <p:cNvPr id="1028" name="Picture 4" descr="Top 10 Guaranteed Big Data Software Features">
-            <a:extLst>
-              <a:ext uri="{FF2B5EF4-FFF2-40B4-BE49-F238E27FC236}">
-                <a16:creationId xmlns:a16="http://schemas.microsoft.com/office/drawing/2014/main" id="{3FC01A49-4B13-898E-BF34-CE5934C55C59}"/>
-              </a:ext>
-            </a:extLst>
-          </p:cNvPr>
-          <p:cNvPicPr>
-            <a:picLocks noGrp="1" noChangeAspect="1" noChangeArrowheads="1"/>
-          </p:cNvPicPr>
-          <p:nvPr>
-            <p:ph idx="1"/>
-          </p:nvPr>
-        </p:nvPicPr>
-        <p:blipFill>
-          <a:blip r:embed="rId2">
-            <a:extLst>
-              <a:ext uri="{28A0092B-C50C-407E-A947-70E740481C1C}">
-                <a14:useLocalDpi xmlns:a14="http://schemas.microsoft.com/office/drawing/2010/main" val="0"/>
-              </a:ext>
-            </a:extLst>
-          </a:blip>
-          <a:srcRect/>
-          <a:stretch>
-            <a:fillRect/>
-          </a:stretch>
-        </p:blipFill>
-        <p:spPr bwMode="auto">
-          <a:xfrm>
-            <a:off x="1116106" y="1546412"/>
-            <a:ext cx="8243047" cy="4708461"/>
-          </a:xfrm>
-          <a:prstGeom prst="rect">
-            <a:avLst/>
-          </a:prstGeom>
-          <a:noFill/>
-          <a:extLst>
-            <a:ext uri="{909E8E84-426E-40DD-AFC4-6F175D3DCCD1}">
-              <a14:hiddenFill xmlns:a14="http://schemas.microsoft.com/office/drawing/2010/main">
-                <a:solidFill>
-                  <a:srgbClr val="FFFFFF"/>
-                </a:solidFill>
-              </a14:hiddenFill>
-            </a:ext>
-          </a:extLst>
-        </p:spPr>
-      </p:pic>
     </p:spTree>
     <p:extLst>
       <p:ext uri="{BB962C8B-B14F-4D97-AF65-F5344CB8AC3E}">
-        <p14:creationId xmlns:p14="http://schemas.microsoft.com/office/powerpoint/2010/main" val="3685940642"/>
+        <p14:creationId xmlns:p14="http://schemas.microsoft.com/office/powerpoint/2010/main" val="3772278938"/>
       </p:ext>
     </p:extLst>
   </p:cSld>
@@ -9786,333 +8604,6 @@
       </p:grpSpPr>
       <p:sp>
         <p:nvSpPr>
-          <p:cNvPr id="2" name="Title 1">
-            <a:extLst>
-              <a:ext uri="{FF2B5EF4-FFF2-40B4-BE49-F238E27FC236}">
-                <a16:creationId xmlns:a16="http://schemas.microsoft.com/office/drawing/2014/main" id="{0A688A80-BAE3-C513-2478-C1E8007EC91D}"/>
-              </a:ext>
-            </a:extLst>
-          </p:cNvPr>
-          <p:cNvSpPr>
-            <a:spLocks noGrp="1"/>
-          </p:cNvSpPr>
-          <p:nvPr>
-            <p:ph type="title"/>
-          </p:nvPr>
-        </p:nvSpPr>
-        <p:spPr>
-          <a:xfrm>
-            <a:off x="174811" y="609600"/>
-            <a:ext cx="8964720" cy="694765"/>
-          </a:xfrm>
-        </p:spPr>
-        <p:txBody>
-          <a:bodyPr/>
-          <a:lstStyle/>
-          <a:p>
-            <a:r>
-              <a:rPr lang="en-US" dirty="0">
-                <a:latin typeface="Times New Roman" panose="02020603050405020304" pitchFamily="18" charset="0"/>
-                <a:cs typeface="Times New Roman" panose="02020603050405020304" pitchFamily="18" charset="0"/>
-              </a:rPr>
-              <a:t> Methodology</a:t>
-            </a:r>
-            <a:endParaRPr lang="en-IN" dirty="0">
-              <a:latin typeface="Times New Roman" panose="02020603050405020304" pitchFamily="18" charset="0"/>
-              <a:cs typeface="Times New Roman" panose="02020603050405020304" pitchFamily="18" charset="0"/>
-            </a:endParaRPr>
-          </a:p>
-        </p:txBody>
-      </p:sp>
-      <p:sp>
-        <p:nvSpPr>
-          <p:cNvPr id="3" name="Content Placeholder 2">
-            <a:extLst>
-              <a:ext uri="{FF2B5EF4-FFF2-40B4-BE49-F238E27FC236}">
-                <a16:creationId xmlns:a16="http://schemas.microsoft.com/office/drawing/2014/main" id="{F30A7B0F-9779-56F8-400C-F8FACE0FB82C}"/>
-              </a:ext>
-            </a:extLst>
-          </p:cNvPr>
-          <p:cNvSpPr>
-            <a:spLocks noGrp="1"/>
-          </p:cNvSpPr>
-          <p:nvPr>
-            <p:ph idx="1"/>
-          </p:nvPr>
-        </p:nvSpPr>
-        <p:spPr>
-          <a:xfrm>
-            <a:off x="0" y="1183341"/>
-            <a:ext cx="12192000" cy="5674659"/>
-          </a:xfrm>
-        </p:spPr>
-        <p:txBody>
-          <a:bodyPr>
-            <a:normAutofit/>
-          </a:bodyPr>
-          <a:lstStyle/>
-          <a:p>
-            <a:pPr marL="0" indent="0">
-              <a:lnSpc>
-                <a:spcPct val="107000"/>
-              </a:lnSpc>
-              <a:spcAft>
-                <a:spcPts val="800"/>
-              </a:spcAft>
-              <a:buNone/>
-            </a:pPr>
-            <a:r>
-              <a:rPr lang="en-IN" sz="2000" kern="100" dirty="0">
-                <a:effectLst/>
-                <a:latin typeface="Times New Roman" panose="02020603050405020304" pitchFamily="18" charset="0"/>
-                <a:ea typeface="Calibri" panose="020F0502020204030204" pitchFamily="34" charset="0"/>
-                <a:cs typeface="Times New Roman" panose="02020603050405020304" pitchFamily="18" charset="0"/>
-              </a:rPr>
-              <a:t>To extract insights from huge data and analyse tourist behaviour, the Tourist-Behaviour-Analysis project adopts a rigorous and methodical methodology. The methodology utilized in this project is outlined in the following steps:</a:t>
-            </a:r>
-            <a:endParaRPr lang="en-IN" sz="2000" kern="100" dirty="0">
-              <a:effectLst/>
-              <a:latin typeface="Calibri" panose="020F0502020204030204" pitchFamily="34" charset="0"/>
-              <a:ea typeface="Calibri" panose="020F0502020204030204" pitchFamily="34" charset="0"/>
-              <a:cs typeface="Times New Roman" panose="02020603050405020304" pitchFamily="18" charset="0"/>
-            </a:endParaRPr>
-          </a:p>
-          <a:p>
-            <a:pPr>
-              <a:lnSpc>
-                <a:spcPct val="107000"/>
-              </a:lnSpc>
-            </a:pPr>
-            <a:r>
-              <a:rPr lang="en-IN" sz="2000" b="1" kern="100" dirty="0">
-                <a:effectLst/>
-                <a:latin typeface="Times New Roman" panose="02020603050405020304" pitchFamily="18" charset="0"/>
-                <a:ea typeface="Calibri" panose="020F0502020204030204" pitchFamily="34" charset="0"/>
-                <a:cs typeface="Times New Roman" panose="02020603050405020304" pitchFamily="18" charset="0"/>
-              </a:rPr>
-              <a:t>Data Collection</a:t>
-            </a:r>
-            <a:r>
-              <a:rPr lang="en-IN" sz="2000" b="1" kern="100" dirty="0">
-                <a:latin typeface="Times New Roman" panose="02020603050405020304" pitchFamily="18" charset="0"/>
-                <a:ea typeface="Calibri" panose="020F0502020204030204" pitchFamily="34" charset="0"/>
-                <a:cs typeface="Times New Roman" panose="02020603050405020304" pitchFamily="18" charset="0"/>
-              </a:rPr>
-              <a:t>:</a:t>
-            </a:r>
-            <a:r>
-              <a:rPr lang="en-IN" sz="2000" kern="100" dirty="0">
-                <a:effectLst/>
-                <a:latin typeface="Times New Roman" panose="02020603050405020304" pitchFamily="18" charset="0"/>
-                <a:ea typeface="Calibri" panose="020F0502020204030204" pitchFamily="34" charset="0"/>
-                <a:cs typeface="Times New Roman" panose="02020603050405020304" pitchFamily="18" charset="0"/>
-              </a:rPr>
-              <a:t> The first stage is to collect information from a variety of sources, such as social media platforms, online travel companies, booking systems, and visitor surveys.</a:t>
-            </a:r>
-          </a:p>
-          <a:p>
-            <a:pPr>
-              <a:lnSpc>
-                <a:spcPct val="107000"/>
-              </a:lnSpc>
-            </a:pPr>
-            <a:r>
-              <a:rPr lang="en-IN" sz="2000" b="1" kern="100" dirty="0">
-                <a:effectLst/>
-                <a:latin typeface="Times New Roman" panose="02020603050405020304" pitchFamily="18" charset="0"/>
-                <a:ea typeface="Calibri" panose="020F0502020204030204" pitchFamily="34" charset="0"/>
-                <a:cs typeface="Times New Roman" panose="02020603050405020304" pitchFamily="18" charset="0"/>
-              </a:rPr>
-              <a:t>Refinement of the dataset:</a:t>
-            </a:r>
-            <a:r>
-              <a:rPr lang="en-IN" sz="2400" b="1" kern="100" dirty="0">
-                <a:latin typeface="Times New Roman" panose="02020603050405020304" pitchFamily="18" charset="0"/>
-                <a:ea typeface="Calibri" panose="020F0502020204030204" pitchFamily="34" charset="0"/>
-                <a:cs typeface="Times New Roman" panose="02020603050405020304" pitchFamily="18" charset="0"/>
-              </a:rPr>
-              <a:t> </a:t>
-            </a:r>
-            <a:r>
-              <a:rPr lang="en-IN" sz="2000" kern="100" dirty="0">
-                <a:effectLst/>
-                <a:latin typeface="Times New Roman" panose="02020603050405020304" pitchFamily="18" charset="0"/>
-                <a:ea typeface="Calibri" panose="020F0502020204030204" pitchFamily="34" charset="0"/>
-                <a:cs typeface="Times New Roman" panose="02020603050405020304" pitchFamily="18" charset="0"/>
-              </a:rPr>
-              <a:t>Once </a:t>
-            </a:r>
-            <a:r>
-              <a:rPr lang="en-IN" sz="2000" kern="100" dirty="0">
-                <a:latin typeface="Times New Roman" panose="02020603050405020304" pitchFamily="18" charset="0"/>
-                <a:ea typeface="Calibri" panose="020F0502020204030204" pitchFamily="34" charset="0"/>
-                <a:cs typeface="Times New Roman" panose="02020603050405020304" pitchFamily="18" charset="0"/>
-              </a:rPr>
-              <a:t>acquired, data is used to set geographical coordinates in order to extract data from a certain region which can be used for further processing or analysing the </a:t>
-            </a:r>
-            <a:r>
-              <a:rPr lang="en-IN" sz="2000" kern="100" dirty="0">
-                <a:effectLst/>
-                <a:latin typeface="Times New Roman" panose="02020603050405020304" pitchFamily="18" charset="0"/>
-                <a:ea typeface="Calibri" panose="020F0502020204030204" pitchFamily="34" charset="0"/>
-                <a:cs typeface="Times New Roman" panose="02020603050405020304" pitchFamily="18" charset="0"/>
-              </a:rPr>
-              <a:t>trends and for estimation.</a:t>
-            </a:r>
-            <a:endParaRPr lang="en-IN" sz="2400" kern="100" dirty="0">
-              <a:latin typeface="Times New Roman" panose="02020603050405020304" pitchFamily="18" charset="0"/>
-              <a:ea typeface="Calibri" panose="020F0502020204030204" pitchFamily="34" charset="0"/>
-              <a:cs typeface="Times New Roman" panose="02020603050405020304" pitchFamily="18" charset="0"/>
-            </a:endParaRPr>
-          </a:p>
-          <a:p>
-            <a:pPr>
-              <a:lnSpc>
-                <a:spcPct val="107000"/>
-              </a:lnSpc>
-            </a:pPr>
-            <a:r>
-              <a:rPr lang="en-IN" sz="2000" b="1" kern="100" dirty="0">
-                <a:effectLst/>
-                <a:latin typeface="Times New Roman" panose="02020603050405020304" pitchFamily="18" charset="0"/>
-                <a:ea typeface="Calibri" panose="020F0502020204030204" pitchFamily="34" charset="0"/>
-                <a:cs typeface="Times New Roman" panose="02020603050405020304" pitchFamily="18" charset="0"/>
-              </a:rPr>
-              <a:t>Processing of textual metadata: </a:t>
-            </a:r>
-            <a:r>
-              <a:rPr lang="en-IN" sz="2000" kern="100" dirty="0">
-                <a:effectLst/>
-                <a:latin typeface="Times New Roman" panose="02020603050405020304" pitchFamily="18" charset="0"/>
-                <a:ea typeface="Calibri" panose="020F0502020204030204" pitchFamily="34" charset="0"/>
-                <a:cs typeface="Times New Roman" panose="02020603050405020304" pitchFamily="18" charset="0"/>
-              </a:rPr>
-              <a:t>The input data is used to remove extraneous characters and stop words, as well as to stem words into their root form. The output data is then used to generate the geo clustering data</a:t>
-            </a:r>
-            <a:r>
-              <a:rPr lang="en-IN" sz="1800" kern="100" dirty="0">
-                <a:effectLst/>
-                <a:latin typeface="Times New Roman" panose="02020603050405020304" pitchFamily="18" charset="0"/>
-                <a:ea typeface="Calibri" panose="020F0502020204030204" pitchFamily="34" charset="0"/>
-                <a:cs typeface="Times New Roman" panose="02020603050405020304" pitchFamily="18" charset="0"/>
-              </a:rPr>
-              <a:t>.</a:t>
-            </a:r>
-          </a:p>
-          <a:p>
-            <a:pPr>
-              <a:lnSpc>
-                <a:spcPct val="107000"/>
-              </a:lnSpc>
-            </a:pPr>
-            <a:r>
-              <a:rPr lang="en-IN" sz="2000" b="1" kern="100" dirty="0">
-                <a:effectLst/>
-                <a:latin typeface="Times New Roman" panose="02020603050405020304" pitchFamily="18" charset="0"/>
-                <a:ea typeface="Calibri" panose="020F0502020204030204" pitchFamily="34" charset="0"/>
-                <a:cs typeface="Times New Roman" panose="02020603050405020304" pitchFamily="18" charset="0"/>
-              </a:rPr>
-              <a:t>Clustering of geographical data</a:t>
-            </a:r>
-            <a:r>
-              <a:rPr lang="en-IN" sz="2000" b="1" kern="100" dirty="0">
-                <a:latin typeface="Times New Roman" panose="02020603050405020304" pitchFamily="18" charset="0"/>
-                <a:ea typeface="Calibri" panose="020F0502020204030204" pitchFamily="34" charset="0"/>
-                <a:cs typeface="Times New Roman" panose="02020603050405020304" pitchFamily="18" charset="0"/>
-              </a:rPr>
-              <a:t>: </a:t>
-            </a:r>
-            <a:r>
-              <a:rPr lang="en-IN" sz="2000" dirty="0">
-                <a:effectLst/>
-                <a:latin typeface="Times New Roman" panose="02020603050405020304" pitchFamily="18" charset="0"/>
-                <a:ea typeface="Calibri" panose="020F0502020204030204" pitchFamily="34" charset="0"/>
-                <a:cs typeface="Times New Roman" panose="02020603050405020304" pitchFamily="18" charset="0"/>
-              </a:rPr>
-              <a:t>The output data generated by the textual metadata processing is fed as an input to this notebook. </a:t>
-            </a:r>
-          </a:p>
-          <a:p>
-            <a:pPr marL="0" indent="0">
-              <a:lnSpc>
-                <a:spcPct val="107000"/>
-              </a:lnSpc>
-              <a:buNone/>
-            </a:pPr>
-            <a:r>
-              <a:rPr lang="en-IN" sz="2000" dirty="0">
-                <a:latin typeface="Times New Roman" panose="02020603050405020304" pitchFamily="18" charset="0"/>
-                <a:ea typeface="Calibri" panose="020F0502020204030204" pitchFamily="34" charset="0"/>
-                <a:cs typeface="Times New Roman" panose="02020603050405020304" pitchFamily="18" charset="0"/>
-              </a:rPr>
-              <a:t>     </a:t>
-            </a:r>
-            <a:r>
-              <a:rPr lang="en-IN" sz="2000" dirty="0">
-                <a:effectLst/>
-                <a:latin typeface="Times New Roman" panose="02020603050405020304" pitchFamily="18" charset="0"/>
-                <a:ea typeface="Calibri" panose="020F0502020204030204" pitchFamily="34" charset="0"/>
-                <a:cs typeface="Times New Roman" panose="02020603050405020304" pitchFamily="18" charset="0"/>
-              </a:rPr>
-              <a:t>The HDBSCAN algorithm is used in the notebook to group popular sites together.</a:t>
-            </a:r>
-            <a:endParaRPr lang="en-IN" sz="2000" kern="100" dirty="0">
-              <a:effectLst/>
-              <a:latin typeface="Times New Roman" panose="02020603050405020304" pitchFamily="18" charset="0"/>
-              <a:ea typeface="Calibri" panose="020F0502020204030204" pitchFamily="34" charset="0"/>
-              <a:cs typeface="Times New Roman" panose="02020603050405020304" pitchFamily="18" charset="0"/>
-            </a:endParaRPr>
-          </a:p>
-          <a:p>
-            <a:pPr>
-              <a:lnSpc>
-                <a:spcPct val="107000"/>
-              </a:lnSpc>
-            </a:pPr>
-            <a:endParaRPr lang="en-IN" sz="2000" kern="100" dirty="0">
-              <a:effectLst/>
-              <a:latin typeface="Times New Roman" panose="02020603050405020304" pitchFamily="18" charset="0"/>
-              <a:ea typeface="Calibri" panose="020F0502020204030204" pitchFamily="34" charset="0"/>
-              <a:cs typeface="Times New Roman" panose="02020603050405020304" pitchFamily="18" charset="0"/>
-            </a:endParaRPr>
-          </a:p>
-          <a:p>
-            <a:endParaRPr lang="en-IN" dirty="0"/>
-          </a:p>
-        </p:txBody>
-      </p:sp>
-    </p:spTree>
-    <p:extLst>
-      <p:ext uri="{BB962C8B-B14F-4D97-AF65-F5344CB8AC3E}">
-        <p14:creationId xmlns:p14="http://schemas.microsoft.com/office/powerpoint/2010/main" val="3772278938"/>
-      </p:ext>
-    </p:extLst>
-  </p:cSld>
-  <p:clrMapOvr>
-    <a:masterClrMapping/>
-  </p:clrMapOvr>
-</p:sld>
-</file>
-
-<file path=ppt/slides/slide7.xml><?xml version="1.0" encoding="utf-8"?>
-<p:sld xmlns:a="http://schemas.openxmlformats.org/drawingml/2006/main" xmlns:r="http://schemas.openxmlformats.org/officeDocument/2006/relationships" xmlns:p="http://schemas.openxmlformats.org/presentationml/2006/main">
-  <p:cSld>
-    <p:spTree>
-      <p:nvGrpSpPr>
-        <p:cNvPr id="1" name=""/>
-        <p:cNvGrpSpPr/>
-        <p:nvPr/>
-      </p:nvGrpSpPr>
-      <p:grpSpPr>
-        <a:xfrm>
-          <a:off x="0" y="0"/>
-          <a:ext cx="0" cy="0"/>
-          <a:chOff x="0" y="0"/>
-          <a:chExt cx="0" cy="0"/>
-        </a:xfrm>
-      </p:grpSpPr>
-      <p:sp>
-        <p:nvSpPr>
           <p:cNvPr id="4" name="Title 1">
             <a:extLst>
               <a:ext uri="{FF2B5EF4-FFF2-40B4-BE49-F238E27FC236}">
@@ -10219,7 +8710,7 @@
                 <a:ea typeface="Calibri" panose="020F0502020204030204" pitchFamily="34" charset="0"/>
                 <a:cs typeface="Times New Roman" panose="02020603050405020304" pitchFamily="18" charset="0"/>
               </a:rPr>
-              <a:t>We used the Time series modelling </a:t>
+              <a:t>Next we used the Time series modelling </a:t>
             </a:r>
             <a:r>
               <a:rPr lang="en-IN" sz="2000" kern="100" dirty="0">
@@ -11898,6 +10389,185 @@
 </p:sld>
 </file>
 
+<file path=ppt/slides/slide7.xml><?xml version="1.0" encoding="utf-8"?>
+<p:sld xmlns:a="http://schemas.openxmlformats.org/drawingml/2006/main" xmlns:r="http://schemas.openxmlformats.org/officeDocument/2006/relationships" xmlns:p="http://schemas.openxmlformats.org/presentationml/2006/main">
+  <p:cSld>
+    <p:spTree>
+      <p:nvGrpSpPr>
+        <p:cNvPr id="1" name=""/>
+        <p:cNvGrpSpPr/>
+        <p:nvPr/>
+      </p:nvGrpSpPr>
+      <p:grpSpPr>
+        <a:xfrm>
+          <a:off x="0" y="0"/>
+          <a:ext cx="0" cy="0"/>
+          <a:chOff x="0" y="0"/>
+          <a:chExt cx="0" cy="0"/>
+        </a:xfrm>
+      </p:grpSpPr>
+      <p:sp>
+        <p:nvSpPr>
+          <p:cNvPr id="2" name="Title 1">
+            <a:extLst>
+              <a:ext uri="{FF2B5EF4-FFF2-40B4-BE49-F238E27FC236}">
+                <a16:creationId xmlns:a16="http://schemas.microsoft.com/office/drawing/2014/main" id="{183771A6-ECC9-E45D-F81D-3C7D5C8A0F07}"/>
+              </a:ext>
+            </a:extLst>
+          </p:cNvPr>
+          <p:cNvSpPr>
+            <a:spLocks noGrp="1"/>
+          </p:cNvSpPr>
+          <p:nvPr>
+            <p:ph type="title"/>
+          </p:nvPr>
+        </p:nvSpPr>
+        <p:spPr>
+          <a:xfrm>
+            <a:off x="408393" y="395297"/>
+            <a:ext cx="8596668" cy="842682"/>
+          </a:xfrm>
+        </p:spPr>
+        <p:txBody>
+          <a:bodyPr/>
+          <a:lstStyle/>
+          <a:p>
+            <a:r>
+              <a:rPr lang="en-US" dirty="0"/>
+              <a:t>Results/Outcomes</a:t>
+            </a:r>
+            <a:endParaRPr lang="en-IN" dirty="0"/>
+          </a:p>
+        </p:txBody>
+      </p:sp>
+      <p:sp>
+        <p:nvSpPr>
+          <p:cNvPr id="3" name="Content Placeholder 2">
+            <a:extLst>
+              <a:ext uri="{FF2B5EF4-FFF2-40B4-BE49-F238E27FC236}">
+                <a16:creationId xmlns:a16="http://schemas.microsoft.com/office/drawing/2014/main" id="{28FC183A-8421-11EB-7646-38EEFCF01CC5}"/>
+              </a:ext>
+            </a:extLst>
+          </p:cNvPr>
+          <p:cNvSpPr>
+            <a:spLocks noGrp="1"/>
+          </p:cNvSpPr>
+          <p:nvPr>
+            <p:ph idx="1"/>
+          </p:nvPr>
+        </p:nvSpPr>
+        <p:spPr>
+          <a:xfrm>
+            <a:off x="94129" y="1358153"/>
+            <a:ext cx="12097871" cy="5499847"/>
+          </a:xfrm>
+        </p:spPr>
+        <p:txBody>
+          <a:bodyPr>
+            <a:normAutofit/>
+          </a:bodyPr>
+          <a:lstStyle/>
+          <a:p>
+            <a:r>
+              <a:rPr lang="en-US" sz="2000" dirty="0">
+                <a:latin typeface="Times New Roman" panose="02020603050405020304" pitchFamily="18" charset="0"/>
+                <a:cs typeface="Times New Roman" panose="02020603050405020304" pitchFamily="18" charset="0"/>
+              </a:rPr>
+              <a:t>The overall project depicted the use of large amount of tourists data for multiple regions across multiple countries.</a:t>
+            </a:r>
+          </a:p>
+          <a:p>
+            <a:pPr marL="0" indent="0">
+              <a:buNone/>
+            </a:pPr>
+            <a:endParaRPr lang="en-US" sz="2000" dirty="0">
+              <a:latin typeface="Times New Roman" panose="02020603050405020304" pitchFamily="18" charset="0"/>
+              <a:cs typeface="Times New Roman" panose="02020603050405020304" pitchFamily="18" charset="0"/>
+            </a:endParaRPr>
+          </a:p>
+          <a:p>
+            <a:r>
+              <a:rPr lang="en-US" sz="2000" dirty="0">
+                <a:latin typeface="Times New Roman" panose="02020603050405020304" pitchFamily="18" charset="0"/>
+                <a:cs typeface="Times New Roman" panose="02020603050405020304" pitchFamily="18" charset="0"/>
+              </a:rPr>
+              <a:t>The data was cleaned, analyzed, forecasted and used many components to generate some of the meaningful insights.</a:t>
+            </a:r>
+          </a:p>
+          <a:p>
+            <a:pPr marL="0" indent="0">
+              <a:buNone/>
+            </a:pPr>
+            <a:endParaRPr lang="en-US" sz="2000" dirty="0">
+              <a:latin typeface="Times New Roman" panose="02020603050405020304" pitchFamily="18" charset="0"/>
+              <a:cs typeface="Times New Roman" panose="02020603050405020304" pitchFamily="18" charset="0"/>
+            </a:endParaRPr>
+          </a:p>
+          <a:p>
+            <a:r>
+              <a:rPr lang="en-US" sz="2000" b="1" dirty="0">
+                <a:latin typeface="Times New Roman" panose="02020603050405020304" pitchFamily="18" charset="0"/>
+                <a:cs typeface="Times New Roman" panose="02020603050405020304" pitchFamily="18" charset="0"/>
+              </a:rPr>
+              <a:t>Refinement of Data</a:t>
+            </a:r>
+            <a:r>
+              <a:rPr lang="en-US" sz="2000" dirty="0">
+                <a:latin typeface="Times New Roman" panose="02020603050405020304" pitchFamily="18" charset="0"/>
+                <a:cs typeface="Times New Roman" panose="02020603050405020304" pitchFamily="18" charset="0"/>
+              </a:rPr>
+              <a:t>: In this initial step the data was refined to small chunks based on particular region or country.</a:t>
+            </a:r>
+          </a:p>
+          <a:p>
+            <a:endParaRPr lang="en-US" sz="2000" dirty="0">
+              <a:latin typeface="Times New Roman" panose="02020603050405020304" pitchFamily="18" charset="0"/>
+              <a:cs typeface="Times New Roman" panose="02020603050405020304" pitchFamily="18" charset="0"/>
+            </a:endParaRPr>
+          </a:p>
+          <a:p>
+            <a:r>
+              <a:rPr lang="en-US" sz="2000" b="1" dirty="0">
+                <a:latin typeface="Times New Roman" panose="02020603050405020304" pitchFamily="18" charset="0"/>
+                <a:cs typeface="Times New Roman" panose="02020603050405020304" pitchFamily="18" charset="0"/>
+              </a:rPr>
+              <a:t>Textual Metadata Processing</a:t>
+            </a:r>
+            <a:r>
+              <a:rPr lang="en-US" sz="2000" dirty="0">
+                <a:latin typeface="Times New Roman" panose="02020603050405020304" pitchFamily="18" charset="0"/>
+                <a:cs typeface="Times New Roman" panose="02020603050405020304" pitchFamily="18" charset="0"/>
+              </a:rPr>
+              <a:t>: In this step we cleaned the data to remove the stop words, tokenization to make the data more meaningful for further processing in order to get the good insights.</a:t>
+            </a:r>
+          </a:p>
+          <a:p>
+            <a:endParaRPr lang="en-US" sz="2000" dirty="0">
+              <a:latin typeface="Times New Roman" panose="02020603050405020304" pitchFamily="18" charset="0"/>
+              <a:cs typeface="Times New Roman" panose="02020603050405020304" pitchFamily="18" charset="0"/>
+            </a:endParaRPr>
+          </a:p>
+          <a:p>
+            <a:endParaRPr lang="en-IN" sz="2000" dirty="0">
+              <a:latin typeface="Times New Roman" panose="02020603050405020304" pitchFamily="18" charset="0"/>
+              <a:cs typeface="Times New Roman" panose="02020603050405020304" pitchFamily="18" charset="0"/>
+            </a:endParaRPr>
+          </a:p>
+        </p:txBody>
+      </p:sp>
+    </p:spTree>
+    <p:extLst>
+      <p:ext uri="{BB962C8B-B14F-4D97-AF65-F5344CB8AC3E}">
+        <p14:creationId xmlns:p14="http://schemas.microsoft.com/office/powerpoint/2010/main" val="1524692437"/>
+      </p:ext>
+    </p:extLst>
+  </p:cSld>
+  <p:clrMapOvr>
+    <a:masterClrMapping/>
+  </p:clrMapOvr>
+</p:sld>
+</file>
+
 <file path=ppt/slides/slide8.xml><?xml version="1.0" encoding="utf-8"?>
 <p:sld xmlns:a="http://schemas.openxmlformats.org/drawingml/2006/main" xmlns:r="http://schemas.openxmlformats.org/officeDocument/2006/relationships" xmlns:p="http://schemas.openxmlformats.org/presentationml/2006/main">
   <p:cSld>
@@ -11920,7 +10590,7 @@
           <p:cNvPr id="2" name="Title 1">
             <a:extLst>
               <a:ext uri="{FF2B5EF4-FFF2-40B4-BE49-F238E27FC236}">
-                <a16:creationId xmlns:a16="http://schemas.microsoft.com/office/drawing/2014/main" id="{F13298A4-5FCB-CAAB-E4DE-C9207B072C69}"/>
+                <a16:creationId xmlns:a16="http://schemas.microsoft.com/office/drawing/2014/main" id="{C581B049-2732-5210-7E44-597F908F8742}"/>
               </a:ext>
             </a:extLst>
           </p:cNvPr>
@@ -11933,8 +10603,8 @@
         </p:nvSpPr>
         <p:spPr>
           <a:xfrm>
-            <a:off x="349624" y="372885"/>
-            <a:ext cx="8924378" cy="823903"/>
+            <a:off x="233582" y="394446"/>
+            <a:ext cx="8596668" cy="681318"/>
           </a:xfrm>
         </p:spPr>
         <p:txBody>
@@ -11946,7 +10616,7 @@
                 <a:latin typeface="Times New Roman" panose="02020603050405020304" pitchFamily="18" charset="0"/>
                 <a:cs typeface="Times New Roman" panose="02020603050405020304" pitchFamily="18" charset="0"/>
               </a:rPr>
-              <a:t>Implementation</a:t>
+              <a:t>Results/Outcomes</a:t>
             </a:r>
             <a:endParaRPr lang="en-IN" dirty="0">
               <a:latin typeface="Times New Roman" panose="02020603050405020304" pitchFamily="18" charset="0"/>
@@ -11960,7 +10630,7 @@
           <p:cNvPr id="3" name="Content Placeholder 2">
             <a:extLst>
               <a:ext uri="{FF2B5EF4-FFF2-40B4-BE49-F238E27FC236}">
-                <a16:creationId xmlns:a16="http://schemas.microsoft.com/office/drawing/2014/main" id="{4E234C68-F061-067C-E617-BEB8AB1FC5BE}"/>
+                <a16:creationId xmlns:a16="http://schemas.microsoft.com/office/drawing/2014/main" id="{35EF8E5D-E9B0-C68B-65A9-6FC238AE2FEA}"/>
               </a:ext>
             </a:extLst>
           </p:cNvPr>
@@ -11973,118 +10643,117 @@
         </p:nvSpPr>
         <p:spPr>
           <a:xfrm>
-            <a:off x="255493" y="1196788"/>
-            <a:ext cx="11335871" cy="4625788"/>
+            <a:off x="0" y="1270432"/>
+            <a:ext cx="12192000" cy="5392271"/>
           </a:xfrm>
         </p:spPr>
         <p:txBody>
-          <a:bodyPr>
-            <a:normAutofit lnSpcReduction="10000"/>
-          </a:bodyPr>
-          <a:lstStyle/>
-          <a:p>
-            <a:pPr marL="0" indent="0">
+          <a:bodyPr/>
+          <a:lstStyle/>
+          <a:p>
+            <a:pPr marL="0" lvl="0" indent="0">
               <a:buNone/>
             </a:pPr>
             <a:r>
-              <a:rPr lang="en-US" sz="2000" dirty="0">
-                <a:latin typeface="Times New Roman" panose="02020603050405020304" pitchFamily="18" charset="0"/>
-                <a:cs typeface="Times New Roman" panose="02020603050405020304" pitchFamily="18" charset="0"/>
-              </a:rPr>
-              <a:t>There are Five major process to complete in order to get the complete analysis and future predictions:</a:t>
-            </a:r>
-          </a:p>
-          <a:p>
-            <a:pPr marL="0" indent="0">
-              <a:buNone/>
-            </a:pPr>
-            <a:endParaRPr lang="en-US" sz="2000" dirty="0">
-              <a:latin typeface="Times New Roman" panose="02020603050405020304" pitchFamily="18" charset="0"/>
-              <a:cs typeface="Times New Roman" panose="02020603050405020304" pitchFamily="18" charset="0"/>
-            </a:endParaRPr>
-          </a:p>
-          <a:p>
-            <a:r>
-              <a:rPr lang="en-US" sz="2000" dirty="0">
-                <a:latin typeface="Times New Roman" panose="02020603050405020304" pitchFamily="18" charset="0"/>
-                <a:cs typeface="Times New Roman" panose="02020603050405020304" pitchFamily="18" charset="0"/>
-              </a:rPr>
-              <a:t>Refinement of Raw Dataset</a:t>
-            </a:r>
-          </a:p>
-          <a:p>
-            <a:pPr marL="0" indent="0">
-              <a:buNone/>
-            </a:pPr>
-            <a:endParaRPr lang="en-US" sz="2000" dirty="0">
-              <a:latin typeface="Times New Roman" panose="02020603050405020304" pitchFamily="18" charset="0"/>
-              <a:cs typeface="Times New Roman" panose="02020603050405020304" pitchFamily="18" charset="0"/>
-            </a:endParaRPr>
-          </a:p>
-          <a:p>
-            <a:r>
-              <a:rPr lang="en-IN" sz="2000" dirty="0">
-                <a:latin typeface="Times New Roman" panose="02020603050405020304" pitchFamily="18" charset="0"/>
-                <a:cs typeface="Times New Roman" panose="02020603050405020304" pitchFamily="18" charset="0"/>
-              </a:rPr>
-              <a:t>Textual metadata processing</a:t>
-            </a:r>
-          </a:p>
-          <a:p>
-            <a:pPr marL="0" indent="0">
-              <a:buNone/>
-            </a:pPr>
-            <a:endParaRPr lang="en-US" sz="2000" dirty="0">
-              <a:latin typeface="Times New Roman" panose="02020603050405020304" pitchFamily="18" charset="0"/>
-              <a:cs typeface="Times New Roman" panose="02020603050405020304" pitchFamily="18" charset="0"/>
-            </a:endParaRPr>
-          </a:p>
-          <a:p>
-            <a:r>
-              <a:rPr lang="en-IN" sz="2000" dirty="0">
-                <a:latin typeface="Times New Roman" panose="02020603050405020304" pitchFamily="18" charset="0"/>
-                <a:cs typeface="Times New Roman" panose="02020603050405020304" pitchFamily="18" charset="0"/>
-              </a:rPr>
-              <a:t>Geographical data clustering</a:t>
-            </a:r>
-          </a:p>
-          <a:p>
-            <a:pPr marL="0" indent="0">
-              <a:buNone/>
-            </a:pPr>
-            <a:endParaRPr lang="en-IN" sz="2000" dirty="0">
-              <a:latin typeface="Times New Roman" panose="02020603050405020304" pitchFamily="18" charset="0"/>
-              <a:cs typeface="Times New Roman" panose="02020603050405020304" pitchFamily="18" charset="0"/>
-            </a:endParaRPr>
-          </a:p>
-          <a:p>
-            <a:r>
-              <a:rPr lang="en-IN" sz="2000" kern="100" dirty="0">
+              <a:rPr lang="en-IN" sz="2000" b="1" dirty="0">
+                <a:solidFill>
+                  <a:srgbClr val="1F2328"/>
+                </a:solidFill>
                 <a:effectLst/>
                 <a:latin typeface="Times New Roman" panose="02020603050405020304" pitchFamily="18" charset="0"/>
                 <a:ea typeface="Calibri" panose="020F0502020204030204" pitchFamily="34" charset="0"/>
                 <a:cs typeface="Times New Roman" panose="02020603050405020304" pitchFamily="18" charset="0"/>
               </a:rPr>
-              <a:t>Prediction of regional trends</a:t>
-            </a:r>
-          </a:p>
-          <a:p>
-            <a:endParaRPr lang="en-IN" sz="2000" kern="100" dirty="0">
+              <a:t>Geographical Data Clustering</a:t>
+            </a:r>
+            <a:r>
+              <a:rPr lang="en-IN" sz="2000" dirty="0">
+                <a:solidFill>
+                  <a:srgbClr val="1F2328"/>
+                </a:solidFill>
+                <a:effectLst/>
+                <a:latin typeface="Times New Roman" panose="02020603050405020304" pitchFamily="18" charset="0"/>
+                <a:ea typeface="Calibri" panose="020F0502020204030204" pitchFamily="34" charset="0"/>
+                <a:cs typeface="Times New Roman" panose="02020603050405020304" pitchFamily="18" charset="0"/>
+              </a:rPr>
+              <a:t> : This step</a:t>
+            </a:r>
+            <a:r>
+              <a:rPr lang="en-IN" sz="2000" dirty="0">
+                <a:solidFill>
+                  <a:srgbClr val="1F2328"/>
+                </a:solidFill>
+                <a:latin typeface="Times New Roman" panose="02020603050405020304" pitchFamily="18" charset="0"/>
+                <a:ea typeface="Calibri" panose="020F0502020204030204" pitchFamily="34" charset="0"/>
+                <a:cs typeface="Times New Roman" panose="02020603050405020304" pitchFamily="18" charset="0"/>
+              </a:rPr>
+              <a:t> generates the</a:t>
+            </a:r>
+            <a:r>
+              <a:rPr lang="en-IN" sz="2000" dirty="0">
+                <a:solidFill>
+                  <a:srgbClr val="1F2328"/>
+                </a:solidFill>
+                <a:effectLst/>
+                <a:latin typeface="Times New Roman" panose="02020603050405020304" pitchFamily="18" charset="0"/>
+                <a:ea typeface="Times New Roman" panose="02020603050405020304" pitchFamily="18" charset="0"/>
+                <a:cs typeface="Times New Roman" panose="02020603050405020304" pitchFamily="18" charset="0"/>
+              </a:rPr>
+              <a:t> Geographical clustering stage output. After running the notebook depicting the code to generate the geographical data clustering, we get the image representing the clusters.</a:t>
+            </a:r>
+            <a:endParaRPr lang="en-IN" sz="2000" dirty="0">
               <a:latin typeface="Times New Roman" panose="02020603050405020304" pitchFamily="18" charset="0"/>
-              <a:ea typeface="Calibri" panose="020F0502020204030204" pitchFamily="34" charset="0"/>
+              <a:ea typeface="Times New Roman" panose="02020603050405020304" pitchFamily="18" charset="0"/>
               <a:cs typeface="Times New Roman" panose="02020603050405020304" pitchFamily="18" charset="0"/>
             </a:endParaRPr>
           </a:p>
           <a:p>
-            <a:r>
-              <a:rPr lang="en-IN" sz="2000" kern="100" dirty="0">
+            <a:pPr marL="0" lvl="0" indent="0">
+              <a:buNone/>
+            </a:pPr>
+            <a:endParaRPr lang="en-IN" sz="2000" dirty="0">
+              <a:solidFill>
+                <a:srgbClr val="1F2328"/>
+              </a:solidFill>
+              <a:effectLst/>
+              <a:latin typeface="Times New Roman" panose="02020603050405020304" pitchFamily="18" charset="0"/>
+              <a:ea typeface="Times New Roman" panose="02020603050405020304" pitchFamily="18" charset="0"/>
+              <a:cs typeface="Times New Roman" panose="02020603050405020304" pitchFamily="18" charset="0"/>
+            </a:endParaRPr>
+          </a:p>
+          <a:p>
+            <a:pPr marL="0" lvl="0" indent="0">
+              <a:buNone/>
+            </a:pPr>
+            <a:r>
+              <a:rPr lang="en-IN" sz="2000" dirty="0">
+                <a:solidFill>
+                  <a:srgbClr val="1F2328"/>
+                </a:solidFill>
+                <a:effectLst/>
                 <a:latin typeface="Times New Roman" panose="02020603050405020304" pitchFamily="18" charset="0"/>
+                <a:ea typeface="Times New Roman" panose="02020603050405020304" pitchFamily="18" charset="0"/>
                 <a:cs typeface="Times New Roman" panose="02020603050405020304" pitchFamily="18" charset="0"/>
               </a:rPr>
-              <a:t>Time Series Modelling</a:t>
-            </a:r>
-            <a:endParaRPr lang="en-US" sz="2000" dirty="0">
+              <a:t>Below are the Images depicting cluster formation.</a:t>
+            </a:r>
+          </a:p>
+          <a:p>
+            <a:r>
+              <a:rPr lang="en-IN" sz="2000" b="1" dirty="0">
+                <a:solidFill>
+                  <a:srgbClr val="1F2328"/>
+                </a:solidFill>
+                <a:latin typeface="Times New Roman" panose="02020603050405020304" pitchFamily="18" charset="0"/>
+                <a:ea typeface="Times New Roman" panose="02020603050405020304" pitchFamily="18" charset="0"/>
+                <a:cs typeface="Times New Roman" panose="02020603050405020304" pitchFamily="18" charset="0"/>
+              </a:rPr>
+              <a:t>Before Cluster Formation:</a:t>
+            </a:r>
+            <a:endParaRPr lang="en-IN" sz="2000" b="1" dirty="0">
+              <a:effectLst/>
               <a:latin typeface="Times New Roman" panose="02020603050405020304" pitchFamily="18" charset="0"/>
+              <a:ea typeface="Times New Roman" panose="02020603050405020304" pitchFamily="18" charset="0"/>
               <a:cs typeface="Times New Roman" panose="02020603050405020304" pitchFamily="18" charset="0"/>
             </a:endParaRPr>
           </a:p>
@@ -12093,10 +10762,40 @@
           </a:p>
         </p:txBody>
       </p:sp>
+      <p:pic>
+        <p:nvPicPr>
+          <p:cNvPr id="6" name="Picture 5">
+            <a:extLst>
+              <a:ext uri="{FF2B5EF4-FFF2-40B4-BE49-F238E27FC236}">
+                <a16:creationId xmlns:a16="http://schemas.microsoft.com/office/drawing/2014/main" id="{F2CCA0CE-5FAC-2E23-CE20-B0B3129E0026}"/>
+              </a:ext>
+            </a:extLst>
+          </p:cNvPr>
+          <p:cNvPicPr>
+            <a:picLocks noChangeAspect="1"/>
+          </p:cNvPicPr>
+          <p:nvPr/>
+        </p:nvPicPr>
+        <p:blipFill>
+          <a:blip r:embed="rId2"/>
+          <a:stretch>
+            <a:fillRect/>
+          </a:stretch>
+        </p:blipFill>
+        <p:spPr>
+          <a:xfrm>
+            <a:off x="3909951" y="3065930"/>
+            <a:ext cx="5502990" cy="3616657"/>
+          </a:xfrm>
+          <a:prstGeom prst="rect">
+            <a:avLst/>
+          </a:prstGeom>
+        </p:spPr>
+      </p:pic>
     </p:spTree>
     <p:extLst>
       <p:ext uri="{BB962C8B-B14F-4D97-AF65-F5344CB8AC3E}">
-        <p14:creationId xmlns:p14="http://schemas.microsoft.com/office/powerpoint/2010/main" val="639672229"/>
+        <p14:creationId xmlns:p14="http://schemas.microsoft.com/office/powerpoint/2010/main" val="1791109523"/>
       </p:ext>
     </p:extLst>
   </p:cSld>
@@ -12125,10 +10824,10 @@
       </p:grpSpPr>
       <p:sp>
         <p:nvSpPr>
-          <p:cNvPr id="2" name="Title 1">
+          <p:cNvPr id="3" name="Content Placeholder 2">
             <a:extLst>
               <a:ext uri="{FF2B5EF4-FFF2-40B4-BE49-F238E27FC236}">
-                <a16:creationId xmlns:a16="http://schemas.microsoft.com/office/drawing/2014/main" id="{2CA1A373-2406-CF3D-0965-2B00E684E887}"/>
+                <a16:creationId xmlns:a16="http://schemas.microsoft.com/office/drawing/2014/main" id="{5E11D8CB-5F39-C057-722E-6BF4BA73F1D2}"/>
               </a:ext>
             </a:extLst>
           </p:cNvPr>
@@ -12136,169 +10835,111 @@
             <a:spLocks noGrp="1"/>
           </p:cNvSpPr>
           <p:nvPr>
-            <p:ph type="title"/>
+            <p:ph idx="1"/>
           </p:nvPr>
         </p:nvSpPr>
         <p:spPr>
           <a:xfrm>
-            <a:off x="273922" y="609600"/>
-            <a:ext cx="8596668" cy="708212"/>
+            <a:off x="0" y="132654"/>
+            <a:ext cx="12192000" cy="6592691"/>
           </a:xfrm>
         </p:spPr>
         <p:txBody>
-          <a:bodyPr>
-            <a:normAutofit/>
-          </a:bodyPr>
-          <a:lstStyle/>
-          <a:p>
-            <a:r>
-              <a:rPr lang="en-US" sz="3200" dirty="0"/>
-              <a:t>Refinement of Raw dataset</a:t>
-            </a:r>
-            <a:endParaRPr lang="en-IN" sz="3200" dirty="0"/>
-          </a:p>
-        </p:txBody>
-      </p:sp>
-      <p:sp>
-        <p:nvSpPr>
-          <p:cNvPr id="3" name="Content Placeholder 2">
-            <a:extLst>
-              <a:ext uri="{FF2B5EF4-FFF2-40B4-BE49-F238E27FC236}">
-                <a16:creationId xmlns:a16="http://schemas.microsoft.com/office/drawing/2014/main" id="{830A8B83-DE34-72D8-FD94-3C5B77081223}"/>
-              </a:ext>
-            </a:extLst>
-          </p:cNvPr>
-          <p:cNvSpPr>
-            <a:spLocks noGrp="1"/>
-          </p:cNvSpPr>
-          <p:nvPr>
-            <p:ph idx="1"/>
-          </p:nvPr>
-        </p:nvSpPr>
-        <p:spPr>
-          <a:xfrm>
-            <a:off x="0" y="1909482"/>
-            <a:ext cx="12192000" cy="5217459"/>
-          </a:xfrm>
-        </p:spPr>
-        <p:txBody>
           <a:bodyPr/>
           <a:lstStyle/>
           <a:p>
-            <a:r>
-              <a:rPr lang="en-IN" sz="2000" kern="100" dirty="0">
+            <a:endParaRPr lang="en-US" dirty="0"/>
+          </a:p>
+          <a:p>
+            <a:r>
+              <a:rPr lang="en-IN" sz="2000" b="1" dirty="0">
+                <a:latin typeface="Times New Roman" panose="02020603050405020304" pitchFamily="18" charset="0"/>
+                <a:cs typeface="Times New Roman" panose="02020603050405020304" pitchFamily="18" charset="0"/>
+              </a:rPr>
+              <a:t>After Cluster formation:</a:t>
+            </a:r>
+          </a:p>
+          <a:p>
+            <a:endParaRPr lang="en-IN" dirty="0"/>
+          </a:p>
+          <a:p>
+            <a:endParaRPr lang="en-IN" dirty="0"/>
+          </a:p>
+          <a:p>
+            <a:endParaRPr lang="en-IN" dirty="0"/>
+          </a:p>
+          <a:p>
+            <a:endParaRPr lang="en-IN" dirty="0"/>
+          </a:p>
+          <a:p>
+            <a:endParaRPr lang="en-IN" dirty="0"/>
+          </a:p>
+          <a:p>
+            <a:endParaRPr lang="en-IN" dirty="0"/>
+          </a:p>
+          <a:p>
+            <a:endParaRPr lang="en-IN" dirty="0"/>
+          </a:p>
+          <a:p>
+            <a:endParaRPr lang="en-IN" dirty="0"/>
+          </a:p>
+          <a:p>
+            <a:endParaRPr lang="en-IN" dirty="0"/>
+          </a:p>
+          <a:p>
+            <a:endParaRPr lang="en-IN" dirty="0"/>
+          </a:p>
+          <a:p>
+            <a:r>
+              <a:rPr lang="en-IN" sz="2000" dirty="0">
                 <a:effectLst/>
                 <a:latin typeface="Times New Roman" panose="02020603050405020304" pitchFamily="18" charset="0"/>
                 <a:ea typeface="Calibri" panose="020F0502020204030204" pitchFamily="34" charset="0"/>
                 <a:cs typeface="Times New Roman" panose="02020603050405020304" pitchFamily="18" charset="0"/>
               </a:rPr>
-              <a:t>The dataset which we utilized in this project is a subset of the YFCC dataset available at (</a:t>
-            </a:r>
-            <a:r>
-              <a:rPr lang="en-IN" sz="2000" u="sng" kern="100" dirty="0">
-                <a:solidFill>
-                  <a:srgbClr val="0000FF"/>
-                </a:solidFill>
-                <a:effectLst/>
-                <a:latin typeface="Times New Roman" panose="02020603050405020304" pitchFamily="18" charset="0"/>
-                <a:ea typeface="Calibri" panose="020F0502020204030204" pitchFamily="34" charset="0"/>
-                <a:cs typeface="Times New Roman" panose="02020603050405020304" pitchFamily="18" charset="0"/>
-                <a:hlinkClick r:id="rId2"/>
-              </a:rPr>
-              <a:t>http://webscope.sandbox.yahoo.com</a:t>
-            </a:r>
-            <a:r>
-              <a:rPr lang="en-IN" sz="2000" kern="100" dirty="0">
-                <a:effectLst/>
-                <a:latin typeface="Times New Roman" panose="02020603050405020304" pitchFamily="18" charset="0"/>
-                <a:ea typeface="Calibri" panose="020F0502020204030204" pitchFamily="34" charset="0"/>
-                <a:cs typeface="Times New Roman" panose="02020603050405020304" pitchFamily="18" charset="0"/>
-              </a:rPr>
-              <a:t>).</a:t>
-            </a:r>
-          </a:p>
-          <a:p>
-            <a:endParaRPr lang="en-IN" sz="2000" kern="100" dirty="0">
+              <a:t>It represents the clusters identified by the HDBSCAN algorithm. Each cluster is assigned a different colour. The data points belonging to each cluster are plotted using the corresponding colour</a:t>
+            </a:r>
+            <a:endParaRPr lang="en-IN" sz="2000" dirty="0">
               <a:latin typeface="Times New Roman" panose="02020603050405020304" pitchFamily="18" charset="0"/>
-              <a:ea typeface="Calibri" panose="020F0502020204030204" pitchFamily="34" charset="0"/>
               <a:cs typeface="Times New Roman" panose="02020603050405020304" pitchFamily="18" charset="0"/>
             </a:endParaRPr>
           </a:p>
-          <a:p>
-            <a:r>
-              <a:rPr lang="en-IN" sz="2000" kern="100" dirty="0">
-                <a:effectLst/>
-                <a:latin typeface="Times New Roman" panose="02020603050405020304" pitchFamily="18" charset="0"/>
-                <a:ea typeface="Calibri" panose="020F0502020204030204" pitchFamily="34" charset="0"/>
-                <a:cs typeface="Times New Roman" panose="02020603050405020304" pitchFamily="18" charset="0"/>
-              </a:rPr>
-              <a:t>The dataset contains millions of records for the various regions for various countries. These records are refined to get the dataset for the particular region or country.</a:t>
-            </a:r>
-          </a:p>
-          <a:p>
-            <a:endParaRPr lang="en-IN" sz="2000" kern="100" dirty="0">
-              <a:latin typeface="Times New Roman" panose="02020603050405020304" pitchFamily="18" charset="0"/>
-              <a:ea typeface="Calibri" panose="020F0502020204030204" pitchFamily="34" charset="0"/>
-              <a:cs typeface="Times New Roman" panose="02020603050405020304" pitchFamily="18" charset="0"/>
-            </a:endParaRPr>
-          </a:p>
-          <a:p>
-            <a:r>
-              <a:rPr lang="en-IN" sz="2000" kern="100" dirty="0">
-                <a:effectLst/>
-                <a:latin typeface="Times New Roman" panose="02020603050405020304" pitchFamily="18" charset="0"/>
-                <a:ea typeface="Calibri" panose="020F0502020204030204" pitchFamily="34" charset="0"/>
-                <a:cs typeface="Times New Roman" panose="02020603050405020304" pitchFamily="18" charset="0"/>
-              </a:rPr>
-              <a:t>For obtaining the dataset for a particular region we </a:t>
-            </a:r>
-            <a:r>
-              <a:rPr lang="en-US" sz="2000" kern="100" dirty="0">
-                <a:latin typeface="Times New Roman" panose="02020603050405020304" pitchFamily="18" charset="0"/>
-                <a:ea typeface="Calibri" panose="020F0502020204030204" pitchFamily="34" charset="0"/>
-                <a:cs typeface="Times New Roman" panose="02020603050405020304" pitchFamily="18" charset="0"/>
-              </a:rPr>
-              <a:t>m</a:t>
-            </a:r>
-            <a:r>
-              <a:rPr lang="en-US" sz="2000" kern="100" dirty="0">
-                <a:effectLst/>
-                <a:latin typeface="Times New Roman" panose="02020603050405020304" pitchFamily="18" charset="0"/>
-                <a:ea typeface="Calibri" panose="020F0502020204030204" pitchFamily="34" charset="0"/>
-                <a:cs typeface="Times New Roman" panose="02020603050405020304" pitchFamily="18" charset="0"/>
-              </a:rPr>
-              <a:t>ention regions by </a:t>
-            </a:r>
-            <a:r>
-              <a:rPr lang="en-IN" sz="2000" dirty="0">
-                <a:effectLst/>
-                <a:latin typeface="Times New Roman" panose="02020603050405020304" pitchFamily="18" charset="0"/>
-                <a:ea typeface="Calibri" panose="020F0502020204030204" pitchFamily="34" charset="0"/>
-              </a:rPr>
-              <a:t>Setting their respective geographical coordinates in the notebook script</a:t>
-            </a:r>
-            <a:r>
-              <a:rPr lang="en-US" sz="2000" kern="100" dirty="0">
-                <a:effectLst/>
-                <a:latin typeface="Times New Roman" panose="02020603050405020304" pitchFamily="18" charset="0"/>
-                <a:ea typeface="Calibri" panose="020F0502020204030204" pitchFamily="34" charset="0"/>
-                <a:cs typeface="Times New Roman" panose="02020603050405020304" pitchFamily="18" charset="0"/>
-              </a:rPr>
-              <a:t>.</a:t>
-            </a:r>
-            <a:endParaRPr lang="en-IN" sz="2000" kern="100" dirty="0">
-              <a:effectLst/>
-              <a:latin typeface="Times New Roman" panose="02020603050405020304" pitchFamily="18" charset="0"/>
-              <a:ea typeface="Calibri" panose="020F0502020204030204" pitchFamily="34" charset="0"/>
-              <a:cs typeface="Times New Roman" panose="02020603050405020304" pitchFamily="18" charset="0"/>
-            </a:endParaRPr>
-          </a:p>
-        </p:txBody>
-      </p:sp>
+        </p:txBody>
+      </p:sp>
+      <p:pic>
+        <p:nvPicPr>
+          <p:cNvPr id="4" name="Picture 3">
+            <a:extLst>
+              <a:ext uri="{FF2B5EF4-FFF2-40B4-BE49-F238E27FC236}">
+                <a16:creationId xmlns:a16="http://schemas.microsoft.com/office/drawing/2014/main" id="{74228F45-299F-8878-4CC9-58820A8D1849}"/>
+              </a:ext>
+            </a:extLst>
+          </p:cNvPr>
+          <p:cNvPicPr>
+            <a:picLocks noChangeAspect="1"/>
+          </p:cNvPicPr>
+          <p:nvPr/>
+        </p:nvPicPr>
+        <p:blipFill>
+          <a:blip r:embed="rId2"/>
+          <a:stretch>
+            <a:fillRect/>
+          </a:stretch>
+        </p:blipFill>
+        <p:spPr>
+          <a:xfrm>
+            <a:off x="2736271" y="998219"/>
+            <a:ext cx="5775717" cy="3746411"/>
+          </a:xfrm>
+          <a:prstGeom prst="rect">
+            <a:avLst/>
+          </a:prstGeom>
+        </p:spPr>
+      </p:pic>
     </p:spTree>
     <p:extLst>
       <p:ext uri="{BB962C8B-B14F-4D97-AF65-F5344CB8AC3E}">
-        <p14:creationId xmlns:p14="http://schemas.microsoft.com/office/powerpoint/2010/main" val="4219433324"/>
+        <p14:creationId xmlns:p14="http://schemas.microsoft.com/office/powerpoint/2010/main" val="453141884"/>
       </p:ext>
     </p:extLst>
   </p:cSld>
